--- a/img/Image_Manipulation.pptx
+++ b/img/Image_Manipulation.pptx
@@ -5,9 +5,11 @@
     <p:sldMasterId id="2147483648" r:id="rId1"/>
   </p:sldMasterIdLst>
   <p:sldIdLst>
-    <p:sldId id="258" r:id="rId2"/>
-    <p:sldId id="257" r:id="rId3"/>
-    <p:sldId id="256" r:id="rId4"/>
+    <p:sldId id="260" r:id="rId2"/>
+    <p:sldId id="259" r:id="rId3"/>
+    <p:sldId id="258" r:id="rId4"/>
+    <p:sldId id="257" r:id="rId5"/>
+    <p:sldId id="256" r:id="rId6"/>
   </p:sldIdLst>
   <p:sldSz cx="12192000" cy="6858000"/>
   <p:notesSz cx="6858000" cy="9144000"/>
@@ -272,7 +274,7 @@
           <a:p>
             <a:fld id="{C08AAEB5-294B-4A3C-8B76-42EDA64C489E}" type="datetimeFigureOut">
               <a:rPr lang="en-US" smtClean="0"/>
-              <a:t>4/14/2023</a:t>
+              <a:t>6/20/2023</a:t>
             </a:fld>
             <a:endParaRPr lang="en-US"/>
           </a:p>
@@ -470,7 +472,7 @@
           <a:p>
             <a:fld id="{C08AAEB5-294B-4A3C-8B76-42EDA64C489E}" type="datetimeFigureOut">
               <a:rPr lang="en-US" smtClean="0"/>
-              <a:t>4/14/2023</a:t>
+              <a:t>6/20/2023</a:t>
             </a:fld>
             <a:endParaRPr lang="en-US"/>
           </a:p>
@@ -678,7 +680,7 @@
           <a:p>
             <a:fld id="{C08AAEB5-294B-4A3C-8B76-42EDA64C489E}" type="datetimeFigureOut">
               <a:rPr lang="en-US" smtClean="0"/>
-              <a:t>4/14/2023</a:t>
+              <a:t>6/20/2023</a:t>
             </a:fld>
             <a:endParaRPr lang="en-US"/>
           </a:p>
@@ -876,7 +878,7 @@
           <a:p>
             <a:fld id="{C08AAEB5-294B-4A3C-8B76-42EDA64C489E}" type="datetimeFigureOut">
               <a:rPr lang="en-US" smtClean="0"/>
-              <a:t>4/14/2023</a:t>
+              <a:t>6/20/2023</a:t>
             </a:fld>
             <a:endParaRPr lang="en-US"/>
           </a:p>
@@ -1151,7 +1153,7 @@
           <a:p>
             <a:fld id="{C08AAEB5-294B-4A3C-8B76-42EDA64C489E}" type="datetimeFigureOut">
               <a:rPr lang="en-US" smtClean="0"/>
-              <a:t>4/14/2023</a:t>
+              <a:t>6/20/2023</a:t>
             </a:fld>
             <a:endParaRPr lang="en-US"/>
           </a:p>
@@ -1416,7 +1418,7 @@
           <a:p>
             <a:fld id="{C08AAEB5-294B-4A3C-8B76-42EDA64C489E}" type="datetimeFigureOut">
               <a:rPr lang="en-US" smtClean="0"/>
-              <a:t>4/14/2023</a:t>
+              <a:t>6/20/2023</a:t>
             </a:fld>
             <a:endParaRPr lang="en-US"/>
           </a:p>
@@ -1828,7 +1830,7 @@
           <a:p>
             <a:fld id="{C08AAEB5-294B-4A3C-8B76-42EDA64C489E}" type="datetimeFigureOut">
               <a:rPr lang="en-US" smtClean="0"/>
-              <a:t>4/14/2023</a:t>
+              <a:t>6/20/2023</a:t>
             </a:fld>
             <a:endParaRPr lang="en-US"/>
           </a:p>
@@ -1969,7 +1971,7 @@
           <a:p>
             <a:fld id="{C08AAEB5-294B-4A3C-8B76-42EDA64C489E}" type="datetimeFigureOut">
               <a:rPr lang="en-US" smtClean="0"/>
-              <a:t>4/14/2023</a:t>
+              <a:t>6/20/2023</a:t>
             </a:fld>
             <a:endParaRPr lang="en-US"/>
           </a:p>
@@ -2082,7 +2084,7 @@
           <a:p>
             <a:fld id="{C08AAEB5-294B-4A3C-8B76-42EDA64C489E}" type="datetimeFigureOut">
               <a:rPr lang="en-US" smtClean="0"/>
-              <a:t>4/14/2023</a:t>
+              <a:t>6/20/2023</a:t>
             </a:fld>
             <a:endParaRPr lang="en-US"/>
           </a:p>
@@ -2393,7 +2395,7 @@
           <a:p>
             <a:fld id="{C08AAEB5-294B-4A3C-8B76-42EDA64C489E}" type="datetimeFigureOut">
               <a:rPr lang="en-US" smtClean="0"/>
-              <a:t>4/14/2023</a:t>
+              <a:t>6/20/2023</a:t>
             </a:fld>
             <a:endParaRPr lang="en-US"/>
           </a:p>
@@ -2681,7 +2683,7 @@
           <a:p>
             <a:fld id="{C08AAEB5-294B-4A3C-8B76-42EDA64C489E}" type="datetimeFigureOut">
               <a:rPr lang="en-US" smtClean="0"/>
-              <a:t>4/14/2023</a:t>
+              <a:t>6/20/2023</a:t>
             </a:fld>
             <a:endParaRPr lang="en-US"/>
           </a:p>
@@ -2922,7 +2924,7 @@
           <a:p>
             <a:fld id="{C08AAEB5-294B-4A3C-8B76-42EDA64C489E}" type="datetimeFigureOut">
               <a:rPr lang="en-US" smtClean="0"/>
-              <a:t>4/14/2023</a:t>
+              <a:t>6/20/2023</a:t>
             </a:fld>
             <a:endParaRPr lang="en-US"/>
           </a:p>
@@ -3341,6 +3343,4402 @@
       </p:grpSpPr>
       <p:sp>
         <p:nvSpPr>
+          <p:cNvPr id="37" name="Rectangle 36">
+            <a:extLst>
+              <a:ext uri="{FF2B5EF4-FFF2-40B4-BE49-F238E27FC236}">
+                <a16:creationId xmlns:a16="http://schemas.microsoft.com/office/drawing/2014/main" id="{5029CFD5-8623-29B0-1CAB-E450D3AB7551}"/>
+              </a:ext>
+            </a:extLst>
+          </p:cNvPr>
+          <p:cNvSpPr>
+            <a:spLocks/>
+          </p:cNvSpPr>
+          <p:nvPr/>
+        </p:nvSpPr>
+        <p:spPr>
+          <a:xfrm>
+            <a:off x="492422" y="472134"/>
+            <a:ext cx="2700000" cy="1080000"/>
+          </a:xfrm>
+          <a:prstGeom prst="rect">
+            <a:avLst/>
+          </a:prstGeom>
+          <a:solidFill>
+            <a:schemeClr val="bg1"/>
+          </a:solidFill>
+          <a:ln>
+            <a:noFill/>
+          </a:ln>
+        </p:spPr>
+        <p:style>
+          <a:lnRef idx="2">
+            <a:schemeClr val="accent1">
+              <a:shade val="50000"/>
+            </a:schemeClr>
+          </a:lnRef>
+          <a:fillRef idx="1">
+            <a:schemeClr val="accent1"/>
+          </a:fillRef>
+          <a:effectRef idx="0">
+            <a:schemeClr val="accent1"/>
+          </a:effectRef>
+          <a:fontRef idx="minor">
+            <a:schemeClr val="lt1"/>
+          </a:fontRef>
+        </p:style>
+        <p:txBody>
+          <a:bodyPr rtlCol="0" anchor="ctr"/>
+          <a:lstStyle/>
+          <a:p>
+            <a:pPr algn="ctr"/>
+            <a:endParaRPr lang="en-US" dirty="0"/>
+          </a:p>
+        </p:txBody>
+      </p:sp>
+      <p:sp>
+        <p:nvSpPr>
+          <p:cNvPr id="42" name="TextBox 41">
+            <a:extLst>
+              <a:ext uri="{FF2B5EF4-FFF2-40B4-BE49-F238E27FC236}">
+                <a16:creationId xmlns:a16="http://schemas.microsoft.com/office/drawing/2014/main" id="{8E9F0F8B-0DD9-DC31-F390-E9AFD3604DC6}"/>
+              </a:ext>
+            </a:extLst>
+          </p:cNvPr>
+          <p:cNvSpPr txBox="1"/>
+          <p:nvPr/>
+        </p:nvSpPr>
+        <p:spPr>
+          <a:xfrm>
+            <a:off x="2368309" y="1275677"/>
+            <a:ext cx="797258" cy="149647"/>
+          </a:xfrm>
+          <a:prstGeom prst="rect">
+            <a:avLst/>
+          </a:prstGeom>
+          <a:noFill/>
+        </p:spPr>
+        <p:txBody>
+          <a:bodyPr wrap="square" lIns="0" tIns="36000" rIns="0" bIns="36000">
+            <a:spAutoFit/>
+          </a:bodyPr>
+          <a:lstStyle/>
+          <a:p>
+            <a:pPr algn="ctr"/>
+            <a:r>
+              <a:rPr lang="en-US" sz="500" b="0" i="0" u="none" strike="noStrike" dirty="0">
+                <a:solidFill>
+                  <a:srgbClr val="000000"/>
+                </a:solidFill>
+                <a:effectLst/>
+                <a:latin typeface="Arial" panose="020B0604020202020204" pitchFamily="34" charset="0"/>
+              </a:rPr>
+              <a:t> </a:t>
+            </a:r>
+            <a:r>
+              <a:rPr lang="en-US" sz="500" b="1" i="0" u="none" strike="noStrike" dirty="0">
+                <a:solidFill>
+                  <a:srgbClr val="000000"/>
+                </a:solidFill>
+                <a:effectLst/>
+                <a:latin typeface="Arial" panose="020B0604020202020204" pitchFamily="34" charset="0"/>
+              </a:rPr>
+              <a:t>Do NOT press anything!</a:t>
+            </a:r>
+            <a:endParaRPr lang="en-US" sz="500" dirty="0"/>
+          </a:p>
+        </p:txBody>
+      </p:sp>
+      <p:sp>
+        <p:nvSpPr>
+          <p:cNvPr id="43" name="Rectangle 42">
+            <a:extLst>
+              <a:ext uri="{FF2B5EF4-FFF2-40B4-BE49-F238E27FC236}">
+                <a16:creationId xmlns:a16="http://schemas.microsoft.com/office/drawing/2014/main" id="{05C21557-44CC-D8AB-4F97-9702876135AF}"/>
+              </a:ext>
+            </a:extLst>
+          </p:cNvPr>
+          <p:cNvSpPr>
+            <a:spLocks noChangeAspect="1"/>
+          </p:cNvSpPr>
+          <p:nvPr/>
+        </p:nvSpPr>
+        <p:spPr>
+          <a:xfrm>
+            <a:off x="776979" y="555677"/>
+            <a:ext cx="720000" cy="720000"/>
+          </a:xfrm>
+          <a:prstGeom prst="rect">
+            <a:avLst/>
+          </a:prstGeom>
+          <a:solidFill>
+            <a:schemeClr val="accent1">
+              <a:lumMod val="75000"/>
+            </a:schemeClr>
+          </a:solidFill>
+          <a:ln>
+            <a:noFill/>
+          </a:ln>
+        </p:spPr>
+        <p:style>
+          <a:lnRef idx="2">
+            <a:schemeClr val="accent1">
+              <a:shade val="50000"/>
+            </a:schemeClr>
+          </a:lnRef>
+          <a:fillRef idx="1">
+            <a:schemeClr val="accent1"/>
+          </a:fillRef>
+          <a:effectRef idx="0">
+            <a:schemeClr val="accent1"/>
+          </a:effectRef>
+          <a:fontRef idx="minor">
+            <a:schemeClr val="lt1"/>
+          </a:fontRef>
+        </p:style>
+        <p:txBody>
+          <a:bodyPr rtlCol="0" anchor="ctr"/>
+          <a:lstStyle/>
+          <a:p>
+            <a:pPr algn="ctr"/>
+            <a:endParaRPr lang="en-US" dirty="0"/>
+          </a:p>
+        </p:txBody>
+      </p:sp>
+      <p:sp>
+        <p:nvSpPr>
+          <p:cNvPr id="44" name="TextBox 43">
+            <a:extLst>
+              <a:ext uri="{FF2B5EF4-FFF2-40B4-BE49-F238E27FC236}">
+                <a16:creationId xmlns:a16="http://schemas.microsoft.com/office/drawing/2014/main" id="{0D335532-16F9-B321-5FB0-A6832B8F909E}"/>
+              </a:ext>
+            </a:extLst>
+          </p:cNvPr>
+          <p:cNvSpPr txBox="1"/>
+          <p:nvPr/>
+        </p:nvSpPr>
+        <p:spPr>
+          <a:xfrm>
+            <a:off x="502374" y="1275677"/>
+            <a:ext cx="1303668" cy="226591"/>
+          </a:xfrm>
+          <a:prstGeom prst="rect">
+            <a:avLst/>
+          </a:prstGeom>
+          <a:noFill/>
+        </p:spPr>
+        <p:txBody>
+          <a:bodyPr wrap="square" lIns="0" tIns="36000" rIns="0" bIns="36000">
+            <a:spAutoFit/>
+          </a:bodyPr>
+          <a:lstStyle/>
+          <a:p>
+            <a:pPr algn="ctr"/>
+            <a:r>
+              <a:rPr lang="en-US" sz="500" b="0" i="0" u="none" strike="noStrike" dirty="0">
+                <a:solidFill>
+                  <a:srgbClr val="000000"/>
+                </a:solidFill>
+                <a:effectLst/>
+                <a:latin typeface="Arial" panose="020B0604020202020204" pitchFamily="34" charset="0"/>
+              </a:rPr>
+              <a:t> </a:t>
+            </a:r>
+            <a:r>
+              <a:rPr lang="en-US" sz="500" b="1" i="0" u="none" strike="noStrike" dirty="0">
+                <a:solidFill>
+                  <a:srgbClr val="000000"/>
+                </a:solidFill>
+                <a:effectLst/>
+                <a:latin typeface="Arial" panose="020B0604020202020204" pitchFamily="34" charset="0"/>
+              </a:rPr>
+              <a:t>Go!</a:t>
+            </a:r>
+          </a:p>
+          <a:p>
+            <a:pPr algn="ctr"/>
+            <a:r>
+              <a:rPr lang="en-US" sz="500" b="1" i="0" u="none" strike="noStrike" dirty="0">
+                <a:solidFill>
+                  <a:srgbClr val="000000"/>
+                </a:solidFill>
+                <a:effectLst/>
+                <a:latin typeface="Arial" panose="020B0604020202020204" pitchFamily="34" charset="0"/>
+              </a:rPr>
+              <a:t>(Press the SPACE key as fast as possible)</a:t>
+            </a:r>
+            <a:endParaRPr lang="en-US" sz="500" dirty="0"/>
+          </a:p>
+        </p:txBody>
+      </p:sp>
+      <p:sp>
+        <p:nvSpPr>
+          <p:cNvPr id="45" name="Rectangle 44">
+            <a:extLst>
+              <a:ext uri="{FF2B5EF4-FFF2-40B4-BE49-F238E27FC236}">
+                <a16:creationId xmlns:a16="http://schemas.microsoft.com/office/drawing/2014/main" id="{B503A933-548C-F71C-C2F0-8FCEAA204B32}"/>
+              </a:ext>
+            </a:extLst>
+          </p:cNvPr>
+          <p:cNvSpPr>
+            <a:spLocks noChangeAspect="1"/>
+          </p:cNvSpPr>
+          <p:nvPr/>
+        </p:nvSpPr>
+        <p:spPr>
+          <a:xfrm>
+            <a:off x="2406938" y="555677"/>
+            <a:ext cx="720000" cy="720000"/>
+          </a:xfrm>
+          <a:prstGeom prst="rect">
+            <a:avLst/>
+          </a:prstGeom>
+          <a:solidFill>
+            <a:schemeClr val="accent2"/>
+          </a:solidFill>
+          <a:ln>
+            <a:noFill/>
+          </a:ln>
+        </p:spPr>
+        <p:style>
+          <a:lnRef idx="2">
+            <a:schemeClr val="accent1">
+              <a:shade val="50000"/>
+            </a:schemeClr>
+          </a:lnRef>
+          <a:fillRef idx="1">
+            <a:schemeClr val="accent1"/>
+          </a:fillRef>
+          <a:effectRef idx="0">
+            <a:schemeClr val="accent1"/>
+          </a:effectRef>
+          <a:fontRef idx="minor">
+            <a:schemeClr val="lt1"/>
+          </a:fontRef>
+        </p:style>
+        <p:txBody>
+          <a:bodyPr rtlCol="0" anchor="ctr"/>
+          <a:lstStyle/>
+          <a:p>
+            <a:pPr algn="ctr"/>
+            <a:endParaRPr lang="en-US" dirty="0"/>
+          </a:p>
+        </p:txBody>
+      </p:sp>
+      <p:sp>
+        <p:nvSpPr>
+          <p:cNvPr id="47" name="Rectangle 46">
+            <a:extLst>
+              <a:ext uri="{FF2B5EF4-FFF2-40B4-BE49-F238E27FC236}">
+                <a16:creationId xmlns:a16="http://schemas.microsoft.com/office/drawing/2014/main" id="{7111A5A9-FB9A-F076-0E02-1D2248831C86}"/>
+              </a:ext>
+            </a:extLst>
+          </p:cNvPr>
+          <p:cNvSpPr>
+            <a:spLocks/>
+          </p:cNvSpPr>
+          <p:nvPr/>
+        </p:nvSpPr>
+        <p:spPr>
+          <a:xfrm>
+            <a:off x="9036681" y="2418567"/>
+            <a:ext cx="2700000" cy="1080000"/>
+          </a:xfrm>
+          <a:prstGeom prst="rect">
+            <a:avLst/>
+          </a:prstGeom>
+          <a:solidFill>
+            <a:schemeClr val="bg1"/>
+          </a:solidFill>
+          <a:ln>
+            <a:noFill/>
+          </a:ln>
+        </p:spPr>
+        <p:style>
+          <a:lnRef idx="2">
+            <a:schemeClr val="accent1">
+              <a:shade val="50000"/>
+            </a:schemeClr>
+          </a:lnRef>
+          <a:fillRef idx="1">
+            <a:schemeClr val="accent1"/>
+          </a:fillRef>
+          <a:effectRef idx="0">
+            <a:schemeClr val="accent1"/>
+          </a:effectRef>
+          <a:fontRef idx="minor">
+            <a:schemeClr val="lt1"/>
+          </a:fontRef>
+        </p:style>
+        <p:txBody>
+          <a:bodyPr rtlCol="0" anchor="ctr"/>
+          <a:lstStyle/>
+          <a:p>
+            <a:pPr algn="ctr"/>
+            <a:endParaRPr lang="en-US" dirty="0"/>
+          </a:p>
+        </p:txBody>
+      </p:sp>
+      <p:grpSp>
+        <p:nvGrpSpPr>
+          <p:cNvPr id="87" name="Group 86">
+            <a:extLst>
+              <a:ext uri="{FF2B5EF4-FFF2-40B4-BE49-F238E27FC236}">
+                <a16:creationId xmlns:a16="http://schemas.microsoft.com/office/drawing/2014/main" id="{A1B3432D-2C62-9419-0CCE-8146551CC714}"/>
+              </a:ext>
+            </a:extLst>
+          </p:cNvPr>
+          <p:cNvGrpSpPr/>
+          <p:nvPr/>
+        </p:nvGrpSpPr>
+        <p:grpSpPr>
+          <a:xfrm>
+            <a:off x="4210681" y="1226032"/>
+            <a:ext cx="2700000" cy="1080000"/>
+            <a:chOff x="3440215" y="2864332"/>
+            <a:chExt cx="2700000" cy="1080000"/>
+          </a:xfrm>
+        </p:grpSpPr>
+        <p:sp>
+          <p:nvSpPr>
+            <p:cNvPr id="73" name="Rectangle 72">
+              <a:extLst>
+                <a:ext uri="{FF2B5EF4-FFF2-40B4-BE49-F238E27FC236}">
+                  <a16:creationId xmlns:a16="http://schemas.microsoft.com/office/drawing/2014/main" id="{79E256BF-65B1-B3D1-B3DC-833FCA3B1EC1}"/>
+                </a:ext>
+              </a:extLst>
+            </p:cNvPr>
+            <p:cNvSpPr>
+              <a:spLocks/>
+            </p:cNvSpPr>
+            <p:nvPr/>
+          </p:nvSpPr>
+          <p:spPr>
+            <a:xfrm>
+              <a:off x="3440215" y="2864332"/>
+              <a:ext cx="2700000" cy="1080000"/>
+            </a:xfrm>
+            <a:prstGeom prst="rect">
+              <a:avLst/>
+            </a:prstGeom>
+            <a:solidFill>
+              <a:schemeClr val="bg1"/>
+            </a:solidFill>
+            <a:ln>
+              <a:noFill/>
+            </a:ln>
+          </p:spPr>
+          <p:style>
+            <a:lnRef idx="2">
+              <a:schemeClr val="accent1">
+                <a:shade val="50000"/>
+              </a:schemeClr>
+            </a:lnRef>
+            <a:fillRef idx="1">
+              <a:schemeClr val="accent1"/>
+            </a:fillRef>
+            <a:effectRef idx="0">
+              <a:schemeClr val="accent1"/>
+            </a:effectRef>
+            <a:fontRef idx="minor">
+              <a:schemeClr val="lt1"/>
+            </a:fontRef>
+          </p:style>
+          <p:txBody>
+            <a:bodyPr rtlCol="0" anchor="ctr"/>
+            <a:lstStyle/>
+            <a:p>
+              <a:pPr algn="ctr"/>
+              <a:endParaRPr lang="en-US" dirty="0"/>
+            </a:p>
+          </p:txBody>
+        </p:sp>
+        <p:sp>
+          <p:nvSpPr>
+            <p:cNvPr id="74" name="Oval 73">
+              <a:extLst>
+                <a:ext uri="{FF2B5EF4-FFF2-40B4-BE49-F238E27FC236}">
+                  <a16:creationId xmlns:a16="http://schemas.microsoft.com/office/drawing/2014/main" id="{5ED9238E-BAB9-7AD4-F9EB-398E91087A78}"/>
+                </a:ext>
+              </a:extLst>
+            </p:cNvPr>
+            <p:cNvSpPr>
+              <a:spLocks noChangeAspect="1"/>
+            </p:cNvSpPr>
+            <p:nvPr/>
+          </p:nvSpPr>
+          <p:spPr>
+            <a:xfrm>
+              <a:off x="3639132" y="3127875"/>
+              <a:ext cx="360000" cy="360000"/>
+            </a:xfrm>
+            <a:prstGeom prst="ellipse">
+              <a:avLst/>
+            </a:prstGeom>
+            <a:solidFill>
+              <a:schemeClr val="accent1">
+                <a:lumMod val="75000"/>
+              </a:schemeClr>
+            </a:solidFill>
+            <a:ln>
+              <a:noFill/>
+            </a:ln>
+          </p:spPr>
+          <p:style>
+            <a:lnRef idx="2">
+              <a:schemeClr val="accent1">
+                <a:shade val="50000"/>
+              </a:schemeClr>
+            </a:lnRef>
+            <a:fillRef idx="1">
+              <a:schemeClr val="accent1"/>
+            </a:fillRef>
+            <a:effectRef idx="0">
+              <a:schemeClr val="accent1"/>
+            </a:effectRef>
+            <a:fontRef idx="minor">
+              <a:schemeClr val="lt1"/>
+            </a:fontRef>
+          </p:style>
+          <p:txBody>
+            <a:bodyPr rtlCol="0" anchor="ctr"/>
+            <a:lstStyle/>
+            <a:p>
+              <a:pPr algn="ctr"/>
+              <a:endParaRPr lang="en-US"/>
+            </a:p>
+          </p:txBody>
+        </p:sp>
+        <p:sp>
+          <p:nvSpPr>
+            <p:cNvPr id="75" name="Rectangle 74">
+              <a:extLst>
+                <a:ext uri="{FF2B5EF4-FFF2-40B4-BE49-F238E27FC236}">
+                  <a16:creationId xmlns:a16="http://schemas.microsoft.com/office/drawing/2014/main" id="{29439E57-168B-0368-56A9-63048797075E}"/>
+                </a:ext>
+              </a:extLst>
+            </p:cNvPr>
+            <p:cNvSpPr>
+              <a:spLocks noChangeAspect="1"/>
+            </p:cNvSpPr>
+            <p:nvPr/>
+          </p:nvSpPr>
+          <p:spPr>
+            <a:xfrm>
+              <a:off x="5091574" y="2947875"/>
+              <a:ext cx="720000" cy="720000"/>
+            </a:xfrm>
+            <a:prstGeom prst="rect">
+              <a:avLst/>
+            </a:prstGeom>
+            <a:solidFill>
+              <a:schemeClr val="accent1">
+                <a:lumMod val="75000"/>
+              </a:schemeClr>
+            </a:solidFill>
+            <a:ln>
+              <a:noFill/>
+            </a:ln>
+          </p:spPr>
+          <p:style>
+            <a:lnRef idx="2">
+              <a:schemeClr val="accent1">
+                <a:shade val="50000"/>
+              </a:schemeClr>
+            </a:lnRef>
+            <a:fillRef idx="1">
+              <a:schemeClr val="accent1"/>
+            </a:fillRef>
+            <a:effectRef idx="0">
+              <a:schemeClr val="accent1"/>
+            </a:effectRef>
+            <a:fontRef idx="minor">
+              <a:schemeClr val="lt1"/>
+            </a:fontRef>
+          </p:style>
+          <p:txBody>
+            <a:bodyPr rtlCol="0" anchor="ctr"/>
+            <a:lstStyle/>
+            <a:p>
+              <a:pPr algn="ctr"/>
+              <a:endParaRPr lang="en-US"/>
+            </a:p>
+          </p:txBody>
+        </p:sp>
+        <p:cxnSp>
+          <p:nvCxnSpPr>
+            <p:cNvPr id="76" name="Straight Arrow Connector 75">
+              <a:extLst>
+                <a:ext uri="{FF2B5EF4-FFF2-40B4-BE49-F238E27FC236}">
+                  <a16:creationId xmlns:a16="http://schemas.microsoft.com/office/drawing/2014/main" id="{ABF75785-FAD5-FA76-5E3B-9B94F9832E1F}"/>
+                </a:ext>
+              </a:extLst>
+            </p:cNvPr>
+            <p:cNvCxnSpPr>
+              <a:cxnSpLocks/>
+            </p:cNvCxnSpPr>
+            <p:nvPr/>
+          </p:nvCxnSpPr>
+          <p:spPr>
+            <a:xfrm>
+              <a:off x="4197215" y="3307875"/>
+              <a:ext cx="720000" cy="0"/>
+            </a:xfrm>
+            <a:prstGeom prst="straightConnector1">
+              <a:avLst/>
+            </a:prstGeom>
+            <a:ln w="127000">
+              <a:solidFill>
+                <a:schemeClr val="tx1"/>
+              </a:solidFill>
+              <a:tailEnd type="triangle" w="sm" len="sm"/>
+            </a:ln>
+          </p:spPr>
+          <p:style>
+            <a:lnRef idx="1">
+              <a:schemeClr val="accent1"/>
+            </a:lnRef>
+            <a:fillRef idx="0">
+              <a:schemeClr val="accent1"/>
+            </a:fillRef>
+            <a:effectRef idx="0">
+              <a:schemeClr val="accent1"/>
+            </a:effectRef>
+            <a:fontRef idx="minor">
+              <a:schemeClr val="tx1"/>
+            </a:fontRef>
+          </p:style>
+        </p:cxnSp>
+        <p:sp>
+          <p:nvSpPr>
+            <p:cNvPr id="77" name="TextBox 76">
+              <a:extLst>
+                <a:ext uri="{FF2B5EF4-FFF2-40B4-BE49-F238E27FC236}">
+                  <a16:creationId xmlns:a16="http://schemas.microsoft.com/office/drawing/2014/main" id="{78AD9065-9D29-A20E-DD49-7684A0D99961}"/>
+                </a:ext>
+              </a:extLst>
+            </p:cNvPr>
+            <p:cNvSpPr txBox="1"/>
+            <p:nvPr/>
+          </p:nvSpPr>
+          <p:spPr>
+            <a:xfrm>
+              <a:off x="3456649" y="3667875"/>
+              <a:ext cx="724966" cy="149647"/>
+            </a:xfrm>
+            <a:prstGeom prst="rect">
+              <a:avLst/>
+            </a:prstGeom>
+            <a:noFill/>
+          </p:spPr>
+          <p:txBody>
+            <a:bodyPr wrap="square" lIns="0" tIns="36000" rIns="0" bIns="36000">
+              <a:spAutoFit/>
+            </a:bodyPr>
+            <a:lstStyle/>
+            <a:p>
+              <a:pPr algn="ctr"/>
+              <a:r>
+                <a:rPr lang="en-US" sz="500" b="0" i="0" u="none" strike="noStrike" dirty="0">
+                  <a:solidFill>
+                    <a:srgbClr val="000000"/>
+                  </a:solidFill>
+                  <a:effectLst/>
+                  <a:latin typeface="Arial" panose="020B0604020202020204" pitchFamily="34" charset="0"/>
+                </a:rPr>
+                <a:t> </a:t>
+              </a:r>
+              <a:r>
+                <a:rPr lang="en-US" sz="500" b="1" i="0" u="none" strike="noStrike" dirty="0">
+                  <a:solidFill>
+                    <a:srgbClr val="000000"/>
+                  </a:solidFill>
+                  <a:effectLst/>
+                  <a:latin typeface="Arial" panose="020B0604020202020204" pitchFamily="34" charset="0"/>
+                </a:rPr>
+                <a:t>First cue: Get ready…</a:t>
+              </a:r>
+              <a:endParaRPr lang="en-US" sz="500" dirty="0"/>
+            </a:p>
+          </p:txBody>
+        </p:sp>
+        <p:sp>
+          <p:nvSpPr>
+            <p:cNvPr id="78" name="TextBox 77">
+              <a:extLst>
+                <a:ext uri="{FF2B5EF4-FFF2-40B4-BE49-F238E27FC236}">
+                  <a16:creationId xmlns:a16="http://schemas.microsoft.com/office/drawing/2014/main" id="{E51FD825-4189-29A3-E64A-614622935997}"/>
+                </a:ext>
+              </a:extLst>
+            </p:cNvPr>
+            <p:cNvSpPr txBox="1"/>
+            <p:nvPr/>
+          </p:nvSpPr>
+          <p:spPr>
+            <a:xfrm>
+              <a:off x="4799740" y="3667875"/>
+              <a:ext cx="1303668" cy="226591"/>
+            </a:xfrm>
+            <a:prstGeom prst="rect">
+              <a:avLst/>
+            </a:prstGeom>
+            <a:noFill/>
+          </p:spPr>
+          <p:txBody>
+            <a:bodyPr wrap="square" lIns="0" tIns="36000" rIns="0" bIns="36000">
+              <a:spAutoFit/>
+            </a:bodyPr>
+            <a:lstStyle/>
+            <a:p>
+              <a:pPr algn="ctr"/>
+              <a:r>
+                <a:rPr lang="en-US" sz="500" b="0" i="0" u="none" strike="noStrike" dirty="0">
+                  <a:solidFill>
+                    <a:srgbClr val="000000"/>
+                  </a:solidFill>
+                  <a:effectLst/>
+                  <a:latin typeface="Arial" panose="020B0604020202020204" pitchFamily="34" charset="0"/>
+                </a:rPr>
+                <a:t> </a:t>
+              </a:r>
+              <a:r>
+                <a:rPr lang="en-US" sz="500" b="1" i="0" u="none" strike="noStrike" dirty="0">
+                  <a:solidFill>
+                    <a:srgbClr val="000000"/>
+                  </a:solidFill>
+                  <a:effectLst/>
+                  <a:latin typeface="Arial" panose="020B0604020202020204" pitchFamily="34" charset="0"/>
+                </a:rPr>
+                <a:t>Second cue: Go!</a:t>
+              </a:r>
+            </a:p>
+            <a:p>
+              <a:pPr algn="ctr"/>
+              <a:r>
+                <a:rPr lang="en-US" sz="500" b="1" i="0" u="none" strike="noStrike" dirty="0">
+                  <a:solidFill>
+                    <a:srgbClr val="000000"/>
+                  </a:solidFill>
+                  <a:effectLst/>
+                  <a:latin typeface="Arial" panose="020B0604020202020204" pitchFamily="34" charset="0"/>
+                </a:rPr>
+                <a:t>(Press the SPACE key as fast as possible)</a:t>
+              </a:r>
+              <a:endParaRPr lang="en-US" sz="500" dirty="0"/>
+            </a:p>
+          </p:txBody>
+        </p:sp>
+      </p:grpSp>
+      <p:grpSp>
+        <p:nvGrpSpPr>
+          <p:cNvPr id="88" name="Group 87">
+            <a:extLst>
+              <a:ext uri="{FF2B5EF4-FFF2-40B4-BE49-F238E27FC236}">
+                <a16:creationId xmlns:a16="http://schemas.microsoft.com/office/drawing/2014/main" id="{01A10B39-5D5A-9F14-15DC-D37CEAFF7DD8}"/>
+              </a:ext>
+            </a:extLst>
+          </p:cNvPr>
+          <p:cNvGrpSpPr/>
+          <p:nvPr/>
+        </p:nvGrpSpPr>
+        <p:grpSpPr>
+          <a:xfrm>
+            <a:off x="4210681" y="2490200"/>
+            <a:ext cx="2700000" cy="1080000"/>
+            <a:chOff x="3440215" y="4128500"/>
+            <a:chExt cx="2700000" cy="1080000"/>
+          </a:xfrm>
+        </p:grpSpPr>
+        <p:sp>
+          <p:nvSpPr>
+            <p:cNvPr id="79" name="Rectangle 78">
+              <a:extLst>
+                <a:ext uri="{FF2B5EF4-FFF2-40B4-BE49-F238E27FC236}">
+                  <a16:creationId xmlns:a16="http://schemas.microsoft.com/office/drawing/2014/main" id="{E26D18D4-41D0-C8CB-0913-B773699F9500}"/>
+                </a:ext>
+              </a:extLst>
+            </p:cNvPr>
+            <p:cNvSpPr>
+              <a:spLocks/>
+            </p:cNvSpPr>
+            <p:nvPr/>
+          </p:nvSpPr>
+          <p:spPr>
+            <a:xfrm>
+              <a:off x="3440215" y="4128500"/>
+              <a:ext cx="2700000" cy="1080000"/>
+            </a:xfrm>
+            <a:prstGeom prst="rect">
+              <a:avLst/>
+            </a:prstGeom>
+            <a:solidFill>
+              <a:schemeClr val="bg1"/>
+            </a:solidFill>
+            <a:ln>
+              <a:noFill/>
+            </a:ln>
+          </p:spPr>
+          <p:style>
+            <a:lnRef idx="2">
+              <a:schemeClr val="accent1">
+                <a:shade val="50000"/>
+              </a:schemeClr>
+            </a:lnRef>
+            <a:fillRef idx="1">
+              <a:schemeClr val="accent1"/>
+            </a:fillRef>
+            <a:effectRef idx="0">
+              <a:schemeClr val="accent1"/>
+            </a:effectRef>
+            <a:fontRef idx="minor">
+              <a:schemeClr val="lt1"/>
+            </a:fontRef>
+          </p:style>
+          <p:txBody>
+            <a:bodyPr rtlCol="0" anchor="ctr"/>
+            <a:lstStyle/>
+            <a:p>
+              <a:pPr algn="ctr"/>
+              <a:endParaRPr lang="en-US" dirty="0"/>
+            </a:p>
+          </p:txBody>
+        </p:sp>
+        <p:cxnSp>
+          <p:nvCxnSpPr>
+            <p:cNvPr id="82" name="Straight Arrow Connector 81">
+              <a:extLst>
+                <a:ext uri="{FF2B5EF4-FFF2-40B4-BE49-F238E27FC236}">
+                  <a16:creationId xmlns:a16="http://schemas.microsoft.com/office/drawing/2014/main" id="{40017C9B-89DD-4CD3-FA7E-75ED02DBF58D}"/>
+                </a:ext>
+              </a:extLst>
+            </p:cNvPr>
+            <p:cNvCxnSpPr>
+              <a:cxnSpLocks/>
+            </p:cNvCxnSpPr>
+            <p:nvPr/>
+          </p:nvCxnSpPr>
+          <p:spPr>
+            <a:xfrm>
+              <a:off x="4197215" y="4572043"/>
+              <a:ext cx="720000" cy="0"/>
+            </a:xfrm>
+            <a:prstGeom prst="straightConnector1">
+              <a:avLst/>
+            </a:prstGeom>
+            <a:ln w="127000">
+              <a:solidFill>
+                <a:schemeClr val="tx1"/>
+              </a:solidFill>
+              <a:tailEnd type="triangle" w="sm" len="sm"/>
+            </a:ln>
+          </p:spPr>
+          <p:style>
+            <a:lnRef idx="1">
+              <a:schemeClr val="accent1"/>
+            </a:lnRef>
+            <a:fillRef idx="0">
+              <a:schemeClr val="accent1"/>
+            </a:fillRef>
+            <a:effectRef idx="0">
+              <a:schemeClr val="accent1"/>
+            </a:effectRef>
+            <a:fontRef idx="minor">
+              <a:schemeClr val="tx1"/>
+            </a:fontRef>
+          </p:style>
+        </p:cxnSp>
+        <p:sp>
+          <p:nvSpPr>
+            <p:cNvPr id="83" name="TextBox 82">
+              <a:extLst>
+                <a:ext uri="{FF2B5EF4-FFF2-40B4-BE49-F238E27FC236}">
+                  <a16:creationId xmlns:a16="http://schemas.microsoft.com/office/drawing/2014/main" id="{5DA6EA2A-F6E5-7BC2-6589-927AD15A08CB}"/>
+                </a:ext>
+              </a:extLst>
+            </p:cNvPr>
+            <p:cNvSpPr txBox="1"/>
+            <p:nvPr/>
+          </p:nvSpPr>
+          <p:spPr>
+            <a:xfrm>
+              <a:off x="3456649" y="4932043"/>
+              <a:ext cx="724966" cy="149647"/>
+            </a:xfrm>
+            <a:prstGeom prst="rect">
+              <a:avLst/>
+            </a:prstGeom>
+            <a:noFill/>
+          </p:spPr>
+          <p:txBody>
+            <a:bodyPr wrap="square" lIns="0" tIns="36000" rIns="0" bIns="36000">
+              <a:spAutoFit/>
+            </a:bodyPr>
+            <a:lstStyle/>
+            <a:p>
+              <a:pPr algn="ctr"/>
+              <a:r>
+                <a:rPr lang="en-US" sz="500" b="0" i="0" u="none" strike="noStrike" dirty="0">
+                  <a:solidFill>
+                    <a:srgbClr val="000000"/>
+                  </a:solidFill>
+                  <a:effectLst/>
+                  <a:latin typeface="Arial" panose="020B0604020202020204" pitchFamily="34" charset="0"/>
+                </a:rPr>
+                <a:t> </a:t>
+              </a:r>
+              <a:r>
+                <a:rPr lang="en-US" sz="500" b="1" i="0" u="none" strike="noStrike" dirty="0">
+                  <a:solidFill>
+                    <a:srgbClr val="000000"/>
+                  </a:solidFill>
+                  <a:effectLst/>
+                  <a:latin typeface="Arial" panose="020B0604020202020204" pitchFamily="34" charset="0"/>
+                </a:rPr>
+                <a:t>First cue</a:t>
+              </a:r>
+              <a:endParaRPr lang="en-US" sz="500" dirty="0"/>
+            </a:p>
+          </p:txBody>
+        </p:sp>
+        <p:sp>
+          <p:nvSpPr>
+            <p:cNvPr id="15" name="Oval 14">
+              <a:extLst>
+                <a:ext uri="{FF2B5EF4-FFF2-40B4-BE49-F238E27FC236}">
+                  <a16:creationId xmlns:a16="http://schemas.microsoft.com/office/drawing/2014/main" id="{89B837E4-1FF7-95E6-90DB-6EF387C8690F}"/>
+                </a:ext>
+              </a:extLst>
+            </p:cNvPr>
+            <p:cNvSpPr>
+              <a:spLocks noChangeAspect="1"/>
+            </p:cNvSpPr>
+            <p:nvPr/>
+          </p:nvSpPr>
+          <p:spPr>
+            <a:xfrm>
+              <a:off x="3639132" y="4392043"/>
+              <a:ext cx="360000" cy="360000"/>
+            </a:xfrm>
+            <a:prstGeom prst="ellipse">
+              <a:avLst/>
+            </a:prstGeom>
+            <a:solidFill>
+              <a:schemeClr val="accent2"/>
+            </a:solidFill>
+            <a:ln>
+              <a:noFill/>
+            </a:ln>
+          </p:spPr>
+          <p:style>
+            <a:lnRef idx="2">
+              <a:schemeClr val="accent1">
+                <a:shade val="50000"/>
+              </a:schemeClr>
+            </a:lnRef>
+            <a:fillRef idx="1">
+              <a:schemeClr val="accent1"/>
+            </a:fillRef>
+            <a:effectRef idx="0">
+              <a:schemeClr val="accent1"/>
+            </a:effectRef>
+            <a:fontRef idx="minor">
+              <a:schemeClr val="lt1"/>
+            </a:fontRef>
+          </p:style>
+          <p:txBody>
+            <a:bodyPr rtlCol="0" anchor="ctr"/>
+            <a:lstStyle/>
+            <a:p>
+              <a:pPr algn="ctr"/>
+              <a:endParaRPr lang="en-US" dirty="0"/>
+            </a:p>
+          </p:txBody>
+        </p:sp>
+        <p:sp>
+          <p:nvSpPr>
+            <p:cNvPr id="85" name="Rectangle 84">
+              <a:extLst>
+                <a:ext uri="{FF2B5EF4-FFF2-40B4-BE49-F238E27FC236}">
+                  <a16:creationId xmlns:a16="http://schemas.microsoft.com/office/drawing/2014/main" id="{3F47EC6A-5934-C51B-F2EA-D80F8284A712}"/>
+                </a:ext>
+              </a:extLst>
+            </p:cNvPr>
+            <p:cNvSpPr>
+              <a:spLocks noChangeAspect="1"/>
+            </p:cNvSpPr>
+            <p:nvPr/>
+          </p:nvSpPr>
+          <p:spPr>
+            <a:xfrm>
+              <a:off x="5091574" y="4212043"/>
+              <a:ext cx="720000" cy="720000"/>
+            </a:xfrm>
+            <a:prstGeom prst="rect">
+              <a:avLst/>
+            </a:prstGeom>
+            <a:solidFill>
+              <a:schemeClr val="accent2"/>
+            </a:solidFill>
+            <a:ln>
+              <a:noFill/>
+            </a:ln>
+          </p:spPr>
+          <p:style>
+            <a:lnRef idx="2">
+              <a:schemeClr val="accent1">
+                <a:shade val="50000"/>
+              </a:schemeClr>
+            </a:lnRef>
+            <a:fillRef idx="1">
+              <a:schemeClr val="accent1"/>
+            </a:fillRef>
+            <a:effectRef idx="0">
+              <a:schemeClr val="accent1"/>
+            </a:effectRef>
+            <a:fontRef idx="minor">
+              <a:schemeClr val="lt1"/>
+            </a:fontRef>
+          </p:style>
+          <p:txBody>
+            <a:bodyPr rtlCol="0" anchor="ctr"/>
+            <a:lstStyle/>
+            <a:p>
+              <a:pPr algn="ctr"/>
+              <a:endParaRPr lang="en-US" dirty="0"/>
+            </a:p>
+          </p:txBody>
+        </p:sp>
+        <p:sp>
+          <p:nvSpPr>
+            <p:cNvPr id="86" name="TextBox 85">
+              <a:extLst>
+                <a:ext uri="{FF2B5EF4-FFF2-40B4-BE49-F238E27FC236}">
+                  <a16:creationId xmlns:a16="http://schemas.microsoft.com/office/drawing/2014/main" id="{024EE4E1-DA52-EB10-03C2-3B843631BE0C}"/>
+                </a:ext>
+              </a:extLst>
+            </p:cNvPr>
+            <p:cNvSpPr txBox="1"/>
+            <p:nvPr/>
+          </p:nvSpPr>
+          <p:spPr>
+            <a:xfrm>
+              <a:off x="4799740" y="4932043"/>
+              <a:ext cx="1303668" cy="149647"/>
+            </a:xfrm>
+            <a:prstGeom prst="rect">
+              <a:avLst/>
+            </a:prstGeom>
+            <a:noFill/>
+          </p:spPr>
+          <p:txBody>
+            <a:bodyPr wrap="square" lIns="0" tIns="36000" rIns="0" bIns="36000">
+              <a:spAutoFit/>
+            </a:bodyPr>
+            <a:lstStyle/>
+            <a:p>
+              <a:pPr algn="ctr"/>
+              <a:r>
+                <a:rPr lang="en-US" sz="500" b="0" i="0" u="none" strike="noStrike" dirty="0">
+                  <a:solidFill>
+                    <a:srgbClr val="000000"/>
+                  </a:solidFill>
+                  <a:effectLst/>
+                  <a:latin typeface="Arial" panose="020B0604020202020204" pitchFamily="34" charset="0"/>
+                </a:rPr>
+                <a:t> </a:t>
+              </a:r>
+              <a:r>
+                <a:rPr lang="en-US" sz="500" b="1" i="0" u="none" strike="noStrike" dirty="0">
+                  <a:solidFill>
+                    <a:srgbClr val="000000"/>
+                  </a:solidFill>
+                  <a:effectLst/>
+                  <a:latin typeface="Arial" panose="020B0604020202020204" pitchFamily="34" charset="0"/>
+                </a:rPr>
+                <a:t>Second cue: Do NOT press anything!</a:t>
+              </a:r>
+              <a:endParaRPr lang="en-US" sz="500" dirty="0"/>
+            </a:p>
+          </p:txBody>
+        </p:sp>
+      </p:grpSp>
+      <p:grpSp>
+        <p:nvGrpSpPr>
+          <p:cNvPr id="62" name="Group 61">
+            <a:extLst>
+              <a:ext uri="{FF2B5EF4-FFF2-40B4-BE49-F238E27FC236}">
+                <a16:creationId xmlns:a16="http://schemas.microsoft.com/office/drawing/2014/main" id="{B9150A48-9F80-7366-CF10-EC917165C2DC}"/>
+              </a:ext>
+            </a:extLst>
+          </p:cNvPr>
+          <p:cNvGrpSpPr/>
+          <p:nvPr/>
+        </p:nvGrpSpPr>
+        <p:grpSpPr>
+          <a:xfrm>
+            <a:off x="9036681" y="1327150"/>
+            <a:ext cx="2700000" cy="1080000"/>
+            <a:chOff x="9036681" y="1327150"/>
+            <a:chExt cx="2700000" cy="1080000"/>
+          </a:xfrm>
+        </p:grpSpPr>
+        <p:sp>
+          <p:nvSpPr>
+            <p:cNvPr id="25" name="Rectangle 24">
+              <a:extLst>
+                <a:ext uri="{FF2B5EF4-FFF2-40B4-BE49-F238E27FC236}">
+                  <a16:creationId xmlns:a16="http://schemas.microsoft.com/office/drawing/2014/main" id="{FE291A56-08F1-015E-0156-50C3C4FC8E1C}"/>
+                </a:ext>
+              </a:extLst>
+            </p:cNvPr>
+            <p:cNvSpPr>
+              <a:spLocks/>
+            </p:cNvSpPr>
+            <p:nvPr/>
+          </p:nvSpPr>
+          <p:spPr>
+            <a:xfrm>
+              <a:off x="9036681" y="1327150"/>
+              <a:ext cx="2700000" cy="1080000"/>
+            </a:xfrm>
+            <a:prstGeom prst="rect">
+              <a:avLst/>
+            </a:prstGeom>
+            <a:solidFill>
+              <a:schemeClr val="bg1"/>
+            </a:solidFill>
+            <a:ln>
+              <a:noFill/>
+            </a:ln>
+          </p:spPr>
+          <p:style>
+            <a:lnRef idx="2">
+              <a:schemeClr val="accent1">
+                <a:shade val="50000"/>
+              </a:schemeClr>
+            </a:lnRef>
+            <a:fillRef idx="1">
+              <a:schemeClr val="accent1"/>
+            </a:fillRef>
+            <a:effectRef idx="0">
+              <a:schemeClr val="accent1"/>
+            </a:effectRef>
+            <a:fontRef idx="minor">
+              <a:schemeClr val="lt1"/>
+            </a:fontRef>
+          </p:style>
+          <p:txBody>
+            <a:bodyPr rtlCol="0" anchor="ctr"/>
+            <a:lstStyle/>
+            <a:p>
+              <a:pPr algn="ctr"/>
+              <a:endParaRPr lang="en-US" dirty="0"/>
+            </a:p>
+          </p:txBody>
+        </p:sp>
+        <p:cxnSp>
+          <p:nvCxnSpPr>
+            <p:cNvPr id="29" name="Straight Arrow Connector 28">
+              <a:extLst>
+                <a:ext uri="{FF2B5EF4-FFF2-40B4-BE49-F238E27FC236}">
+                  <a16:creationId xmlns:a16="http://schemas.microsoft.com/office/drawing/2014/main" id="{7C1B6712-D7D7-6CFF-9993-4B564FACA315}"/>
+                </a:ext>
+              </a:extLst>
+            </p:cNvPr>
+            <p:cNvCxnSpPr>
+              <a:cxnSpLocks/>
+            </p:cNvCxnSpPr>
+            <p:nvPr/>
+          </p:nvCxnSpPr>
+          <p:spPr>
+            <a:xfrm>
+              <a:off x="9793681" y="1770693"/>
+              <a:ext cx="720000" cy="0"/>
+            </a:xfrm>
+            <a:prstGeom prst="straightConnector1">
+              <a:avLst/>
+            </a:prstGeom>
+            <a:ln w="38100">
+              <a:solidFill>
+                <a:schemeClr val="tx1"/>
+              </a:solidFill>
+              <a:tailEnd type="triangle" w="sm" len="sm"/>
+            </a:ln>
+          </p:spPr>
+          <p:style>
+            <a:lnRef idx="1">
+              <a:schemeClr val="accent1"/>
+            </a:lnRef>
+            <a:fillRef idx="0">
+              <a:schemeClr val="accent1"/>
+            </a:fillRef>
+            <a:effectRef idx="0">
+              <a:schemeClr val="accent1"/>
+            </a:effectRef>
+            <a:fontRef idx="minor">
+              <a:schemeClr val="tx1"/>
+            </a:fontRef>
+          </p:style>
+        </p:cxnSp>
+        <p:sp>
+          <p:nvSpPr>
+            <p:cNvPr id="30" name="TextBox 29">
+              <a:extLst>
+                <a:ext uri="{FF2B5EF4-FFF2-40B4-BE49-F238E27FC236}">
+                  <a16:creationId xmlns:a16="http://schemas.microsoft.com/office/drawing/2014/main" id="{9367052D-2F30-474B-5379-FA7EEB26780F}"/>
+                </a:ext>
+              </a:extLst>
+            </p:cNvPr>
+            <p:cNvSpPr txBox="1"/>
+            <p:nvPr/>
+          </p:nvSpPr>
+          <p:spPr>
+            <a:xfrm>
+              <a:off x="9053115" y="2130693"/>
+              <a:ext cx="724966" cy="149647"/>
+            </a:xfrm>
+            <a:prstGeom prst="rect">
+              <a:avLst/>
+            </a:prstGeom>
+            <a:noFill/>
+          </p:spPr>
+          <p:txBody>
+            <a:bodyPr wrap="square" lIns="0" tIns="36000" rIns="0" bIns="36000">
+              <a:spAutoFit/>
+            </a:bodyPr>
+            <a:lstStyle/>
+            <a:p>
+              <a:pPr algn="ctr"/>
+              <a:r>
+                <a:rPr lang="en-US" sz="500" b="0" i="0" u="none" strike="noStrike" dirty="0">
+                  <a:solidFill>
+                    <a:srgbClr val="000000"/>
+                  </a:solidFill>
+                  <a:effectLst/>
+                  <a:latin typeface="Arial" panose="020B0604020202020204" pitchFamily="34" charset="0"/>
+                </a:rPr>
+                <a:t> </a:t>
+              </a:r>
+              <a:r>
+                <a:rPr lang="en-US" sz="500" b="1" i="0" u="none" strike="noStrike" dirty="0">
+                  <a:solidFill>
+                    <a:srgbClr val="000000"/>
+                  </a:solidFill>
+                  <a:effectLst/>
+                  <a:latin typeface="Arial" panose="020B0604020202020204" pitchFamily="34" charset="0"/>
+                </a:rPr>
+                <a:t>First cue: Prepare</a:t>
+              </a:r>
+              <a:endParaRPr lang="en-US" sz="500" dirty="0"/>
+            </a:p>
+          </p:txBody>
+        </p:sp>
+        <p:sp>
+          <p:nvSpPr>
+            <p:cNvPr id="31" name="TextBox 30">
+              <a:extLst>
+                <a:ext uri="{FF2B5EF4-FFF2-40B4-BE49-F238E27FC236}">
+                  <a16:creationId xmlns:a16="http://schemas.microsoft.com/office/drawing/2014/main" id="{2F36F4A2-5257-9049-68D8-CD867CDC8F56}"/>
+                </a:ext>
+              </a:extLst>
+            </p:cNvPr>
+            <p:cNvSpPr txBox="1"/>
+            <p:nvPr/>
+          </p:nvSpPr>
+          <p:spPr>
+            <a:xfrm>
+              <a:off x="10396206" y="2130693"/>
+              <a:ext cx="1303668" cy="149647"/>
+            </a:xfrm>
+            <a:prstGeom prst="rect">
+              <a:avLst/>
+            </a:prstGeom>
+            <a:noFill/>
+          </p:spPr>
+          <p:txBody>
+            <a:bodyPr wrap="square" lIns="0" tIns="36000" rIns="0" bIns="36000">
+              <a:spAutoFit/>
+            </a:bodyPr>
+            <a:lstStyle/>
+            <a:p>
+              <a:pPr algn="ctr"/>
+              <a:r>
+                <a:rPr lang="en-US" sz="500" b="0" i="0" u="none" strike="noStrike" dirty="0">
+                  <a:solidFill>
+                    <a:srgbClr val="000000"/>
+                  </a:solidFill>
+                  <a:effectLst/>
+                  <a:latin typeface="Arial" panose="020B0604020202020204" pitchFamily="34" charset="0"/>
+                </a:rPr>
+                <a:t> </a:t>
+              </a:r>
+              <a:r>
+                <a:rPr lang="en-US" sz="500" b="1" i="0" u="none" strike="noStrike" dirty="0">
+                  <a:solidFill>
+                    <a:srgbClr val="000000"/>
+                  </a:solidFill>
+                  <a:effectLst/>
+                  <a:latin typeface="Arial" panose="020B0604020202020204" pitchFamily="34" charset="0"/>
+                </a:rPr>
+                <a:t>Second cue: Do NOT press anything!</a:t>
+              </a:r>
+              <a:endParaRPr lang="en-US" sz="500" dirty="0"/>
+            </a:p>
+          </p:txBody>
+        </p:sp>
+        <p:sp>
+          <p:nvSpPr>
+            <p:cNvPr id="32" name="TextBox 31">
+              <a:extLst>
+                <a:ext uri="{FF2B5EF4-FFF2-40B4-BE49-F238E27FC236}">
+                  <a16:creationId xmlns:a16="http://schemas.microsoft.com/office/drawing/2014/main" id="{FA64C350-5CA1-84FB-F2B7-BD03F3C4822D}"/>
+                </a:ext>
+              </a:extLst>
+            </p:cNvPr>
+            <p:cNvSpPr txBox="1"/>
+            <p:nvPr/>
+          </p:nvSpPr>
+          <p:spPr>
+            <a:xfrm>
+              <a:off x="9763405" y="1609629"/>
+              <a:ext cx="724966" cy="149647"/>
+            </a:xfrm>
+            <a:prstGeom prst="rect">
+              <a:avLst/>
+            </a:prstGeom>
+            <a:noFill/>
+          </p:spPr>
+          <p:txBody>
+            <a:bodyPr wrap="square" lIns="0" tIns="36000" rIns="0" bIns="36000">
+              <a:spAutoFit/>
+            </a:bodyPr>
+            <a:lstStyle/>
+            <a:p>
+              <a:pPr algn="ctr"/>
+              <a:r>
+                <a:rPr lang="en-US" sz="500" i="0" u="none" strike="noStrike" dirty="0">
+                  <a:solidFill>
+                    <a:srgbClr val="000000"/>
+                  </a:solidFill>
+                  <a:effectLst/>
+                  <a:latin typeface="Arial" panose="020B0604020202020204" pitchFamily="34" charset="0"/>
+                </a:rPr>
+                <a:t>Sometimes</a:t>
+              </a:r>
+              <a:endParaRPr lang="en-US" sz="500" dirty="0"/>
+            </a:p>
+          </p:txBody>
+        </p:sp>
+        <p:sp>
+          <p:nvSpPr>
+            <p:cNvPr id="17" name="Rectangle 16">
+              <a:extLst>
+                <a:ext uri="{FF2B5EF4-FFF2-40B4-BE49-F238E27FC236}">
+                  <a16:creationId xmlns:a16="http://schemas.microsoft.com/office/drawing/2014/main" id="{EA24C0FC-8C60-2A8A-6CCB-3E3B2E0AF2AB}"/>
+                </a:ext>
+              </a:extLst>
+            </p:cNvPr>
+            <p:cNvSpPr>
+              <a:spLocks noChangeAspect="1"/>
+            </p:cNvSpPr>
+            <p:nvPr/>
+          </p:nvSpPr>
+          <p:spPr>
+            <a:xfrm>
+              <a:off x="10688040" y="1410693"/>
+              <a:ext cx="720000" cy="720000"/>
+            </a:xfrm>
+            <a:prstGeom prst="rect">
+              <a:avLst/>
+            </a:prstGeom>
+            <a:solidFill>
+              <a:schemeClr val="accent2"/>
+            </a:solidFill>
+            <a:ln>
+              <a:noFill/>
+            </a:ln>
+          </p:spPr>
+          <p:style>
+            <a:lnRef idx="2">
+              <a:schemeClr val="accent1">
+                <a:shade val="50000"/>
+              </a:schemeClr>
+            </a:lnRef>
+            <a:fillRef idx="1">
+              <a:schemeClr val="accent1"/>
+            </a:fillRef>
+            <a:effectRef idx="0">
+              <a:schemeClr val="accent1"/>
+            </a:effectRef>
+            <a:fontRef idx="minor">
+              <a:schemeClr val="lt1"/>
+            </a:fontRef>
+          </p:style>
+          <p:txBody>
+            <a:bodyPr rtlCol="0" anchor="ctr"/>
+            <a:lstStyle/>
+            <a:p>
+              <a:pPr algn="ctr"/>
+              <a:endParaRPr lang="en-US" dirty="0"/>
+            </a:p>
+          </p:txBody>
+        </p:sp>
+        <p:grpSp>
+          <p:nvGrpSpPr>
+            <p:cNvPr id="2" name="Group 1">
+              <a:extLst>
+                <a:ext uri="{FF2B5EF4-FFF2-40B4-BE49-F238E27FC236}">
+                  <a16:creationId xmlns:a16="http://schemas.microsoft.com/office/drawing/2014/main" id="{13504747-417E-8ADC-99C3-86488F2C9BE8}"/>
+                </a:ext>
+              </a:extLst>
+            </p:cNvPr>
+            <p:cNvGrpSpPr/>
+            <p:nvPr/>
+          </p:nvGrpSpPr>
+          <p:grpSpPr>
+            <a:xfrm>
+              <a:off x="9235598" y="1590693"/>
+              <a:ext cx="360000" cy="360000"/>
+              <a:chOff x="1686170" y="638218"/>
+              <a:chExt cx="360000" cy="360000"/>
+            </a:xfrm>
+          </p:grpSpPr>
+          <p:sp>
+            <p:nvSpPr>
+              <p:cNvPr id="4" name="Oval 3">
+                <a:extLst>
+                  <a:ext uri="{FF2B5EF4-FFF2-40B4-BE49-F238E27FC236}">
+                    <a16:creationId xmlns:a16="http://schemas.microsoft.com/office/drawing/2014/main" id="{F7ED4B44-F7F8-D1FB-74DA-DDCD7F22543E}"/>
+                  </a:ext>
+                </a:extLst>
+              </p:cNvPr>
+              <p:cNvSpPr>
+                <a:spLocks noChangeAspect="1"/>
+              </p:cNvSpPr>
+              <p:nvPr/>
+            </p:nvSpPr>
+            <p:spPr>
+              <a:xfrm>
+                <a:off x="1686170" y="638218"/>
+                <a:ext cx="360000" cy="360000"/>
+              </a:xfrm>
+              <a:prstGeom prst="ellipse">
+                <a:avLst/>
+              </a:prstGeom>
+              <a:solidFill>
+                <a:schemeClr val="accent2"/>
+              </a:solidFill>
+              <a:ln>
+                <a:noFill/>
+              </a:ln>
+            </p:spPr>
+            <p:style>
+              <a:lnRef idx="2">
+                <a:schemeClr val="accent1">
+                  <a:shade val="50000"/>
+                </a:schemeClr>
+              </a:lnRef>
+              <a:fillRef idx="1">
+                <a:schemeClr val="accent1"/>
+              </a:fillRef>
+              <a:effectRef idx="0">
+                <a:schemeClr val="accent1"/>
+              </a:effectRef>
+              <a:fontRef idx="minor">
+                <a:schemeClr val="lt1"/>
+              </a:fontRef>
+            </p:style>
+            <p:txBody>
+              <a:bodyPr rtlCol="0" anchor="ctr"/>
+              <a:lstStyle/>
+              <a:p>
+                <a:pPr algn="ctr"/>
+                <a:endParaRPr lang="en-US" dirty="0"/>
+              </a:p>
+            </p:txBody>
+          </p:sp>
+          <p:sp>
+            <p:nvSpPr>
+              <p:cNvPr id="7" name="Partial Circle 6">
+                <a:extLst>
+                  <a:ext uri="{FF2B5EF4-FFF2-40B4-BE49-F238E27FC236}">
+                    <a16:creationId xmlns:a16="http://schemas.microsoft.com/office/drawing/2014/main" id="{F65DD401-DE1D-D370-78ED-8F47545F6B29}"/>
+                  </a:ext>
+                </a:extLst>
+              </p:cNvPr>
+              <p:cNvSpPr/>
+              <p:nvPr/>
+            </p:nvSpPr>
+            <p:spPr>
+              <a:xfrm>
+                <a:off x="1686170" y="638218"/>
+                <a:ext cx="360000" cy="360000"/>
+              </a:xfrm>
+              <a:prstGeom prst="pie">
+                <a:avLst/>
+              </a:prstGeom>
+              <a:solidFill>
+                <a:schemeClr val="accent1">
+                  <a:lumMod val="75000"/>
+                </a:schemeClr>
+              </a:solidFill>
+              <a:ln>
+                <a:noFill/>
+              </a:ln>
+            </p:spPr>
+            <p:style>
+              <a:lnRef idx="2">
+                <a:schemeClr val="accent1">
+                  <a:shade val="50000"/>
+                </a:schemeClr>
+              </a:lnRef>
+              <a:fillRef idx="1">
+                <a:schemeClr val="accent1"/>
+              </a:fillRef>
+              <a:effectRef idx="0">
+                <a:schemeClr val="accent1"/>
+              </a:effectRef>
+              <a:fontRef idx="minor">
+                <a:schemeClr val="lt1"/>
+              </a:fontRef>
+            </p:style>
+            <p:txBody>
+              <a:bodyPr rtlCol="0" anchor="ctr"/>
+              <a:lstStyle/>
+              <a:p>
+                <a:pPr algn="ctr"/>
+                <a:endParaRPr lang="en-US"/>
+              </a:p>
+            </p:txBody>
+          </p:sp>
+        </p:grpSp>
+      </p:grpSp>
+      <p:grpSp>
+        <p:nvGrpSpPr>
+          <p:cNvPr id="72" name="Group 71">
+            <a:extLst>
+              <a:ext uri="{FF2B5EF4-FFF2-40B4-BE49-F238E27FC236}">
+                <a16:creationId xmlns:a16="http://schemas.microsoft.com/office/drawing/2014/main" id="{2557CC91-9D99-E66D-7B59-C795C9AF5048}"/>
+              </a:ext>
+            </a:extLst>
+          </p:cNvPr>
+          <p:cNvGrpSpPr/>
+          <p:nvPr/>
+        </p:nvGrpSpPr>
+        <p:grpSpPr>
+          <a:xfrm>
+            <a:off x="9036681" y="3650467"/>
+            <a:ext cx="2700000" cy="1080000"/>
+            <a:chOff x="9036681" y="3650467"/>
+            <a:chExt cx="2700000" cy="1080000"/>
+          </a:xfrm>
+        </p:grpSpPr>
+        <p:sp>
+          <p:nvSpPr>
+            <p:cNvPr id="56" name="Rectangle 55">
+              <a:extLst>
+                <a:ext uri="{FF2B5EF4-FFF2-40B4-BE49-F238E27FC236}">
+                  <a16:creationId xmlns:a16="http://schemas.microsoft.com/office/drawing/2014/main" id="{48A82A7E-7721-4307-0B28-9319FAAA70D5}"/>
+                </a:ext>
+              </a:extLst>
+            </p:cNvPr>
+            <p:cNvSpPr>
+              <a:spLocks/>
+            </p:cNvSpPr>
+            <p:nvPr/>
+          </p:nvSpPr>
+          <p:spPr>
+            <a:xfrm>
+              <a:off x="9036681" y="3650467"/>
+              <a:ext cx="2700000" cy="1080000"/>
+            </a:xfrm>
+            <a:prstGeom prst="rect">
+              <a:avLst/>
+            </a:prstGeom>
+            <a:solidFill>
+              <a:schemeClr val="bg1"/>
+            </a:solidFill>
+            <a:ln>
+              <a:noFill/>
+            </a:ln>
+          </p:spPr>
+          <p:style>
+            <a:lnRef idx="2">
+              <a:schemeClr val="accent1">
+                <a:shade val="50000"/>
+              </a:schemeClr>
+            </a:lnRef>
+            <a:fillRef idx="1">
+              <a:schemeClr val="accent1"/>
+            </a:fillRef>
+            <a:effectRef idx="0">
+              <a:schemeClr val="accent1"/>
+            </a:effectRef>
+            <a:fontRef idx="minor">
+              <a:schemeClr val="lt1"/>
+            </a:fontRef>
+          </p:style>
+          <p:txBody>
+            <a:bodyPr rtlCol="0" anchor="ctr"/>
+            <a:lstStyle/>
+            <a:p>
+              <a:pPr algn="ctr"/>
+              <a:endParaRPr lang="en-US" dirty="0"/>
+            </a:p>
+          </p:txBody>
+        </p:sp>
+        <p:cxnSp>
+          <p:nvCxnSpPr>
+            <p:cNvPr id="60" name="Straight Arrow Connector 59">
+              <a:extLst>
+                <a:ext uri="{FF2B5EF4-FFF2-40B4-BE49-F238E27FC236}">
+                  <a16:creationId xmlns:a16="http://schemas.microsoft.com/office/drawing/2014/main" id="{3F3BCE24-BD9A-6D74-4D7A-7B75322FD6C5}"/>
+                </a:ext>
+              </a:extLst>
+            </p:cNvPr>
+            <p:cNvCxnSpPr>
+              <a:cxnSpLocks/>
+            </p:cNvCxnSpPr>
+            <p:nvPr/>
+          </p:nvCxnSpPr>
+          <p:spPr>
+            <a:xfrm>
+              <a:off x="9793681" y="4094010"/>
+              <a:ext cx="720000" cy="0"/>
+            </a:xfrm>
+            <a:prstGeom prst="straightConnector1">
+              <a:avLst/>
+            </a:prstGeom>
+            <a:ln w="38100">
+              <a:solidFill>
+                <a:schemeClr val="tx1"/>
+              </a:solidFill>
+              <a:tailEnd type="triangle" w="sm" len="sm"/>
+            </a:ln>
+          </p:spPr>
+          <p:style>
+            <a:lnRef idx="1">
+              <a:schemeClr val="accent1"/>
+            </a:lnRef>
+            <a:fillRef idx="0">
+              <a:schemeClr val="accent1"/>
+            </a:fillRef>
+            <a:effectRef idx="0">
+              <a:schemeClr val="accent1"/>
+            </a:effectRef>
+            <a:fontRef idx="minor">
+              <a:schemeClr val="tx1"/>
+            </a:fontRef>
+          </p:style>
+        </p:cxnSp>
+        <p:sp>
+          <p:nvSpPr>
+            <p:cNvPr id="61" name="TextBox 60">
+              <a:extLst>
+                <a:ext uri="{FF2B5EF4-FFF2-40B4-BE49-F238E27FC236}">
+                  <a16:creationId xmlns:a16="http://schemas.microsoft.com/office/drawing/2014/main" id="{9C774069-BDCB-8EB3-2763-E6CCA3B9A5E6}"/>
+                </a:ext>
+              </a:extLst>
+            </p:cNvPr>
+            <p:cNvSpPr txBox="1"/>
+            <p:nvPr/>
+          </p:nvSpPr>
+          <p:spPr>
+            <a:xfrm>
+              <a:off x="9053115" y="4454010"/>
+              <a:ext cx="724966" cy="149647"/>
+            </a:xfrm>
+            <a:prstGeom prst="rect">
+              <a:avLst/>
+            </a:prstGeom>
+            <a:noFill/>
+          </p:spPr>
+          <p:txBody>
+            <a:bodyPr wrap="square" lIns="0" tIns="36000" rIns="0" bIns="36000">
+              <a:spAutoFit/>
+            </a:bodyPr>
+            <a:lstStyle/>
+            <a:p>
+              <a:pPr algn="ctr"/>
+              <a:r>
+                <a:rPr lang="en-US" sz="500" b="0" i="0" u="none" strike="noStrike" dirty="0">
+                  <a:solidFill>
+                    <a:srgbClr val="000000"/>
+                  </a:solidFill>
+                  <a:effectLst/>
+                  <a:latin typeface="Arial" panose="020B0604020202020204" pitchFamily="34" charset="0"/>
+                </a:rPr>
+                <a:t> </a:t>
+              </a:r>
+              <a:r>
+                <a:rPr lang="en-US" sz="500" b="1" i="0" u="none" strike="noStrike" dirty="0">
+                  <a:solidFill>
+                    <a:srgbClr val="000000"/>
+                  </a:solidFill>
+                  <a:effectLst/>
+                  <a:latin typeface="Arial" panose="020B0604020202020204" pitchFamily="34" charset="0"/>
+                </a:rPr>
+                <a:t>First cue: Prepare</a:t>
+              </a:r>
+              <a:endParaRPr lang="en-US" sz="500" dirty="0"/>
+            </a:p>
+          </p:txBody>
+        </p:sp>
+        <p:sp>
+          <p:nvSpPr>
+            <p:cNvPr id="63" name="TextBox 62">
+              <a:extLst>
+                <a:ext uri="{FF2B5EF4-FFF2-40B4-BE49-F238E27FC236}">
+                  <a16:creationId xmlns:a16="http://schemas.microsoft.com/office/drawing/2014/main" id="{F5A1F632-CF14-9E17-C872-B8FE5E2476AF}"/>
+                </a:ext>
+              </a:extLst>
+            </p:cNvPr>
+            <p:cNvSpPr txBox="1"/>
+            <p:nvPr/>
+          </p:nvSpPr>
+          <p:spPr>
+            <a:xfrm>
+              <a:off x="9763405" y="3932946"/>
+              <a:ext cx="724966" cy="149647"/>
+            </a:xfrm>
+            <a:prstGeom prst="rect">
+              <a:avLst/>
+            </a:prstGeom>
+            <a:noFill/>
+          </p:spPr>
+          <p:txBody>
+            <a:bodyPr wrap="square" lIns="0" tIns="36000" rIns="0" bIns="36000">
+              <a:spAutoFit/>
+            </a:bodyPr>
+            <a:lstStyle/>
+            <a:p>
+              <a:pPr algn="ctr"/>
+              <a:r>
+                <a:rPr lang="en-US" sz="500" i="0" u="none" strike="noStrike" dirty="0">
+                  <a:solidFill>
+                    <a:srgbClr val="000000"/>
+                  </a:solidFill>
+                  <a:effectLst/>
+                  <a:latin typeface="Arial" panose="020B0604020202020204" pitchFamily="34" charset="0"/>
+                </a:rPr>
+                <a:t>Sometimes</a:t>
+              </a:r>
+              <a:endParaRPr lang="en-US" sz="500" dirty="0"/>
+            </a:p>
+          </p:txBody>
+        </p:sp>
+        <p:sp>
+          <p:nvSpPr>
+            <p:cNvPr id="68" name="Rectangle 67">
+              <a:extLst>
+                <a:ext uri="{FF2B5EF4-FFF2-40B4-BE49-F238E27FC236}">
+                  <a16:creationId xmlns:a16="http://schemas.microsoft.com/office/drawing/2014/main" id="{58E456E0-5521-5D1E-D221-25F432FDA734}"/>
+                </a:ext>
+              </a:extLst>
+            </p:cNvPr>
+            <p:cNvSpPr>
+              <a:spLocks noChangeAspect="1"/>
+            </p:cNvSpPr>
+            <p:nvPr/>
+          </p:nvSpPr>
+          <p:spPr>
+            <a:xfrm>
+              <a:off x="10688040" y="3734010"/>
+              <a:ext cx="720000" cy="720000"/>
+            </a:xfrm>
+            <a:prstGeom prst="rect">
+              <a:avLst/>
+            </a:prstGeom>
+            <a:solidFill>
+              <a:schemeClr val="accent1">
+                <a:lumMod val="75000"/>
+              </a:schemeClr>
+            </a:solidFill>
+            <a:ln>
+              <a:noFill/>
+            </a:ln>
+          </p:spPr>
+          <p:style>
+            <a:lnRef idx="2">
+              <a:schemeClr val="accent1">
+                <a:shade val="50000"/>
+              </a:schemeClr>
+            </a:lnRef>
+            <a:fillRef idx="1">
+              <a:schemeClr val="accent1"/>
+            </a:fillRef>
+            <a:effectRef idx="0">
+              <a:schemeClr val="accent1"/>
+            </a:effectRef>
+            <a:fontRef idx="minor">
+              <a:schemeClr val="lt1"/>
+            </a:fontRef>
+          </p:style>
+          <p:txBody>
+            <a:bodyPr rtlCol="0" anchor="ctr"/>
+            <a:lstStyle/>
+            <a:p>
+              <a:pPr algn="ctr"/>
+              <a:endParaRPr lang="en-US"/>
+            </a:p>
+          </p:txBody>
+        </p:sp>
+        <p:sp>
+          <p:nvSpPr>
+            <p:cNvPr id="70" name="TextBox 69">
+              <a:extLst>
+                <a:ext uri="{FF2B5EF4-FFF2-40B4-BE49-F238E27FC236}">
+                  <a16:creationId xmlns:a16="http://schemas.microsoft.com/office/drawing/2014/main" id="{86BCE12D-3C70-DDAD-94DF-D420CBEC1AE5}"/>
+                </a:ext>
+              </a:extLst>
+            </p:cNvPr>
+            <p:cNvSpPr txBox="1"/>
+            <p:nvPr/>
+          </p:nvSpPr>
+          <p:spPr>
+            <a:xfrm>
+              <a:off x="10396206" y="4454010"/>
+              <a:ext cx="1303668" cy="226591"/>
+            </a:xfrm>
+            <a:prstGeom prst="rect">
+              <a:avLst/>
+            </a:prstGeom>
+            <a:noFill/>
+          </p:spPr>
+          <p:txBody>
+            <a:bodyPr wrap="square" lIns="0" tIns="36000" rIns="0" bIns="36000">
+              <a:spAutoFit/>
+            </a:bodyPr>
+            <a:lstStyle/>
+            <a:p>
+              <a:pPr algn="ctr"/>
+              <a:r>
+                <a:rPr lang="en-US" sz="500" b="0" i="0" u="none" strike="noStrike" dirty="0">
+                  <a:solidFill>
+                    <a:srgbClr val="000000"/>
+                  </a:solidFill>
+                  <a:effectLst/>
+                  <a:latin typeface="Arial" panose="020B0604020202020204" pitchFamily="34" charset="0"/>
+                </a:rPr>
+                <a:t> </a:t>
+              </a:r>
+              <a:r>
+                <a:rPr lang="en-US" sz="500" b="1" i="0" u="none" strike="noStrike" dirty="0">
+                  <a:solidFill>
+                    <a:srgbClr val="000000"/>
+                  </a:solidFill>
+                  <a:effectLst/>
+                  <a:latin typeface="Arial" panose="020B0604020202020204" pitchFamily="34" charset="0"/>
+                </a:rPr>
+                <a:t>Second cue: Go!</a:t>
+              </a:r>
+            </a:p>
+            <a:p>
+              <a:pPr algn="ctr"/>
+              <a:r>
+                <a:rPr lang="en-US" sz="500" b="1" i="0" u="none" strike="noStrike" dirty="0">
+                  <a:solidFill>
+                    <a:srgbClr val="000000"/>
+                  </a:solidFill>
+                  <a:effectLst/>
+                  <a:latin typeface="Arial" panose="020B0604020202020204" pitchFamily="34" charset="0"/>
+                </a:rPr>
+                <a:t>(Press the SPACE key as fast as possible)</a:t>
+              </a:r>
+              <a:endParaRPr lang="en-US" sz="500" dirty="0"/>
+            </a:p>
+          </p:txBody>
+        </p:sp>
+        <p:grpSp>
+          <p:nvGrpSpPr>
+            <p:cNvPr id="14" name="Group 13">
+              <a:extLst>
+                <a:ext uri="{FF2B5EF4-FFF2-40B4-BE49-F238E27FC236}">
+                  <a16:creationId xmlns:a16="http://schemas.microsoft.com/office/drawing/2014/main" id="{C017CE70-31C1-8AC2-D28F-7D6376E92793}"/>
+                </a:ext>
+              </a:extLst>
+            </p:cNvPr>
+            <p:cNvGrpSpPr/>
+            <p:nvPr/>
+          </p:nvGrpSpPr>
+          <p:grpSpPr>
+            <a:xfrm>
+              <a:off x="9235598" y="3914010"/>
+              <a:ext cx="360000" cy="360000"/>
+              <a:chOff x="3653088" y="638218"/>
+              <a:chExt cx="360000" cy="360000"/>
+            </a:xfrm>
+          </p:grpSpPr>
+          <p:sp>
+            <p:nvSpPr>
+              <p:cNvPr id="20" name="Oval 19">
+                <a:extLst>
+                  <a:ext uri="{FF2B5EF4-FFF2-40B4-BE49-F238E27FC236}">
+                    <a16:creationId xmlns:a16="http://schemas.microsoft.com/office/drawing/2014/main" id="{E97C279F-E17F-919E-7DC9-3CCA6376BBB3}"/>
+                  </a:ext>
+                </a:extLst>
+              </p:cNvPr>
+              <p:cNvSpPr>
+                <a:spLocks noChangeAspect="1"/>
+              </p:cNvSpPr>
+              <p:nvPr/>
+            </p:nvSpPr>
+            <p:spPr>
+              <a:xfrm>
+                <a:off x="3653088" y="638218"/>
+                <a:ext cx="360000" cy="360000"/>
+              </a:xfrm>
+              <a:prstGeom prst="ellipse">
+                <a:avLst/>
+              </a:prstGeom>
+              <a:solidFill>
+                <a:schemeClr val="accent1">
+                  <a:lumMod val="75000"/>
+                </a:schemeClr>
+              </a:solidFill>
+              <a:ln>
+                <a:noFill/>
+              </a:ln>
+            </p:spPr>
+            <p:style>
+              <a:lnRef idx="2">
+                <a:schemeClr val="accent1">
+                  <a:shade val="50000"/>
+                </a:schemeClr>
+              </a:lnRef>
+              <a:fillRef idx="1">
+                <a:schemeClr val="accent1"/>
+              </a:fillRef>
+              <a:effectRef idx="0">
+                <a:schemeClr val="accent1"/>
+              </a:effectRef>
+              <a:fontRef idx="minor">
+                <a:schemeClr val="lt1"/>
+              </a:fontRef>
+            </p:style>
+            <p:txBody>
+              <a:bodyPr rtlCol="0" anchor="ctr"/>
+              <a:lstStyle/>
+              <a:p>
+                <a:pPr algn="ctr"/>
+                <a:endParaRPr lang="en-US" dirty="0"/>
+              </a:p>
+            </p:txBody>
+          </p:sp>
+          <p:sp>
+            <p:nvSpPr>
+              <p:cNvPr id="21" name="Partial Circle 20">
+                <a:extLst>
+                  <a:ext uri="{FF2B5EF4-FFF2-40B4-BE49-F238E27FC236}">
+                    <a16:creationId xmlns:a16="http://schemas.microsoft.com/office/drawing/2014/main" id="{43832103-0330-2374-3E57-F48E48A99462}"/>
+                  </a:ext>
+                </a:extLst>
+              </p:cNvPr>
+              <p:cNvSpPr/>
+              <p:nvPr/>
+            </p:nvSpPr>
+            <p:spPr>
+              <a:xfrm>
+                <a:off x="3653088" y="638218"/>
+                <a:ext cx="360000" cy="360000"/>
+              </a:xfrm>
+              <a:prstGeom prst="pie">
+                <a:avLst/>
+              </a:prstGeom>
+              <a:solidFill>
+                <a:schemeClr val="accent2"/>
+              </a:solidFill>
+              <a:ln>
+                <a:noFill/>
+              </a:ln>
+            </p:spPr>
+            <p:style>
+              <a:lnRef idx="2">
+                <a:schemeClr val="accent1">
+                  <a:shade val="50000"/>
+                </a:schemeClr>
+              </a:lnRef>
+              <a:fillRef idx="1">
+                <a:schemeClr val="accent1"/>
+              </a:fillRef>
+              <a:effectRef idx="0">
+                <a:schemeClr val="accent1"/>
+              </a:effectRef>
+              <a:fontRef idx="minor">
+                <a:schemeClr val="lt1"/>
+              </a:fontRef>
+            </p:style>
+            <p:txBody>
+              <a:bodyPr rtlCol="0" anchor="ctr"/>
+              <a:lstStyle/>
+              <a:p>
+                <a:pPr algn="ctr"/>
+                <a:endParaRPr lang="en-US" dirty="0"/>
+              </a:p>
+            </p:txBody>
+          </p:sp>
+        </p:grpSp>
+      </p:grpSp>
+      <p:grpSp>
+        <p:nvGrpSpPr>
+          <p:cNvPr id="64" name="Group 63">
+            <a:extLst>
+              <a:ext uri="{FF2B5EF4-FFF2-40B4-BE49-F238E27FC236}">
+                <a16:creationId xmlns:a16="http://schemas.microsoft.com/office/drawing/2014/main" id="{73290CA2-45BB-DCE0-06C0-C07154414372}"/>
+              </a:ext>
+            </a:extLst>
+          </p:cNvPr>
+          <p:cNvGrpSpPr/>
+          <p:nvPr/>
+        </p:nvGrpSpPr>
+        <p:grpSpPr>
+          <a:xfrm>
+            <a:off x="9053115" y="2502110"/>
+            <a:ext cx="2646759" cy="869647"/>
+            <a:chOff x="9053115" y="2502110"/>
+            <a:chExt cx="2646759" cy="869647"/>
+          </a:xfrm>
+        </p:grpSpPr>
+        <p:cxnSp>
+          <p:nvCxnSpPr>
+            <p:cNvPr id="52" name="Straight Arrow Connector 51">
+              <a:extLst>
+                <a:ext uri="{FF2B5EF4-FFF2-40B4-BE49-F238E27FC236}">
+                  <a16:creationId xmlns:a16="http://schemas.microsoft.com/office/drawing/2014/main" id="{EC7706EB-6F66-D196-60AF-88688F4D2A13}"/>
+                </a:ext>
+              </a:extLst>
+            </p:cNvPr>
+            <p:cNvCxnSpPr>
+              <a:cxnSpLocks/>
+            </p:cNvCxnSpPr>
+            <p:nvPr/>
+          </p:nvCxnSpPr>
+          <p:spPr>
+            <a:xfrm>
+              <a:off x="9793681" y="2862110"/>
+              <a:ext cx="720000" cy="0"/>
+            </a:xfrm>
+            <a:prstGeom prst="straightConnector1">
+              <a:avLst/>
+            </a:prstGeom>
+            <a:ln w="88900">
+              <a:solidFill>
+                <a:schemeClr val="tx1"/>
+              </a:solidFill>
+              <a:tailEnd type="triangle" w="sm" len="sm"/>
+            </a:ln>
+          </p:spPr>
+          <p:style>
+            <a:lnRef idx="1">
+              <a:schemeClr val="accent1"/>
+            </a:lnRef>
+            <a:fillRef idx="0">
+              <a:schemeClr val="accent1"/>
+            </a:fillRef>
+            <a:effectRef idx="0">
+              <a:schemeClr val="accent1"/>
+            </a:effectRef>
+            <a:fontRef idx="minor">
+              <a:schemeClr val="tx1"/>
+            </a:fontRef>
+          </p:style>
+        </p:cxnSp>
+        <p:sp>
+          <p:nvSpPr>
+            <p:cNvPr id="53" name="TextBox 52">
+              <a:extLst>
+                <a:ext uri="{FF2B5EF4-FFF2-40B4-BE49-F238E27FC236}">
+                  <a16:creationId xmlns:a16="http://schemas.microsoft.com/office/drawing/2014/main" id="{4A4ABE0E-78AF-7D2E-4C28-2828EF09A296}"/>
+                </a:ext>
+              </a:extLst>
+            </p:cNvPr>
+            <p:cNvSpPr txBox="1"/>
+            <p:nvPr/>
+          </p:nvSpPr>
+          <p:spPr>
+            <a:xfrm>
+              <a:off x="9053115" y="3222110"/>
+              <a:ext cx="724966" cy="149647"/>
+            </a:xfrm>
+            <a:prstGeom prst="rect">
+              <a:avLst/>
+            </a:prstGeom>
+            <a:noFill/>
+          </p:spPr>
+          <p:txBody>
+            <a:bodyPr wrap="square" lIns="0" tIns="36000" rIns="0" bIns="36000">
+              <a:spAutoFit/>
+            </a:bodyPr>
+            <a:lstStyle/>
+            <a:p>
+              <a:pPr algn="ctr"/>
+              <a:r>
+                <a:rPr lang="en-US" sz="500" b="0" i="0" u="none" strike="noStrike" dirty="0">
+                  <a:solidFill>
+                    <a:srgbClr val="000000"/>
+                  </a:solidFill>
+                  <a:effectLst/>
+                  <a:latin typeface="Arial" panose="020B0604020202020204" pitchFamily="34" charset="0"/>
+                </a:rPr>
+                <a:t> </a:t>
+              </a:r>
+              <a:r>
+                <a:rPr lang="en-US" sz="500" b="1" i="0" u="none" strike="noStrike" dirty="0">
+                  <a:solidFill>
+                    <a:srgbClr val="000000"/>
+                  </a:solidFill>
+                  <a:effectLst/>
+                  <a:latin typeface="Arial" panose="020B0604020202020204" pitchFamily="34" charset="0"/>
+                </a:rPr>
+                <a:t>First cue: Prepare</a:t>
+              </a:r>
+              <a:endParaRPr lang="en-US" sz="500" dirty="0"/>
+            </a:p>
+          </p:txBody>
+        </p:sp>
+        <p:sp>
+          <p:nvSpPr>
+            <p:cNvPr id="55" name="TextBox 54">
+              <a:extLst>
+                <a:ext uri="{FF2B5EF4-FFF2-40B4-BE49-F238E27FC236}">
+                  <a16:creationId xmlns:a16="http://schemas.microsoft.com/office/drawing/2014/main" id="{5D19D146-19F0-3525-B307-F0D34E87623E}"/>
+                </a:ext>
+              </a:extLst>
+            </p:cNvPr>
+            <p:cNvSpPr txBox="1"/>
+            <p:nvPr/>
+          </p:nvSpPr>
+          <p:spPr>
+            <a:xfrm>
+              <a:off x="9763405" y="2671476"/>
+              <a:ext cx="724966" cy="149647"/>
+            </a:xfrm>
+            <a:prstGeom prst="rect">
+              <a:avLst/>
+            </a:prstGeom>
+            <a:noFill/>
+          </p:spPr>
+          <p:txBody>
+            <a:bodyPr wrap="square" lIns="0" tIns="36000" rIns="0" bIns="36000">
+              <a:spAutoFit/>
+            </a:bodyPr>
+            <a:lstStyle/>
+            <a:p>
+              <a:pPr algn="ctr"/>
+              <a:r>
+                <a:rPr lang="en-US" sz="500" i="0" u="none" strike="noStrike" dirty="0">
+                  <a:solidFill>
+                    <a:srgbClr val="000000"/>
+                  </a:solidFill>
+                  <a:effectLst/>
+                  <a:latin typeface="Arial" panose="020B0604020202020204" pitchFamily="34" charset="0"/>
+                </a:rPr>
+                <a:t>Probably</a:t>
+              </a:r>
+              <a:endParaRPr lang="en-US" sz="500" dirty="0"/>
+            </a:p>
+          </p:txBody>
+        </p:sp>
+        <p:sp>
+          <p:nvSpPr>
+            <p:cNvPr id="69" name="Rectangle 68">
+              <a:extLst>
+                <a:ext uri="{FF2B5EF4-FFF2-40B4-BE49-F238E27FC236}">
+                  <a16:creationId xmlns:a16="http://schemas.microsoft.com/office/drawing/2014/main" id="{4921D440-C627-A2DD-8F25-383B9BFAA368}"/>
+                </a:ext>
+              </a:extLst>
+            </p:cNvPr>
+            <p:cNvSpPr>
+              <a:spLocks noChangeAspect="1"/>
+            </p:cNvSpPr>
+            <p:nvPr/>
+          </p:nvSpPr>
+          <p:spPr>
+            <a:xfrm>
+              <a:off x="10688040" y="2502110"/>
+              <a:ext cx="720000" cy="720000"/>
+            </a:xfrm>
+            <a:prstGeom prst="rect">
+              <a:avLst/>
+            </a:prstGeom>
+            <a:solidFill>
+              <a:schemeClr val="accent2"/>
+            </a:solidFill>
+            <a:ln>
+              <a:noFill/>
+            </a:ln>
+          </p:spPr>
+          <p:style>
+            <a:lnRef idx="2">
+              <a:schemeClr val="accent1">
+                <a:shade val="50000"/>
+              </a:schemeClr>
+            </a:lnRef>
+            <a:fillRef idx="1">
+              <a:schemeClr val="accent1"/>
+            </a:fillRef>
+            <a:effectRef idx="0">
+              <a:schemeClr val="accent1"/>
+            </a:effectRef>
+            <a:fontRef idx="minor">
+              <a:schemeClr val="lt1"/>
+            </a:fontRef>
+          </p:style>
+          <p:txBody>
+            <a:bodyPr rtlCol="0" anchor="ctr"/>
+            <a:lstStyle/>
+            <a:p>
+              <a:pPr algn="ctr"/>
+              <a:endParaRPr lang="en-US" dirty="0"/>
+            </a:p>
+          </p:txBody>
+        </p:sp>
+        <p:sp>
+          <p:nvSpPr>
+            <p:cNvPr id="71" name="TextBox 70">
+              <a:extLst>
+                <a:ext uri="{FF2B5EF4-FFF2-40B4-BE49-F238E27FC236}">
+                  <a16:creationId xmlns:a16="http://schemas.microsoft.com/office/drawing/2014/main" id="{251E96FB-9341-321C-887A-FC6346DFDD47}"/>
+                </a:ext>
+              </a:extLst>
+            </p:cNvPr>
+            <p:cNvSpPr txBox="1"/>
+            <p:nvPr/>
+          </p:nvSpPr>
+          <p:spPr>
+            <a:xfrm>
+              <a:off x="10396206" y="3222110"/>
+              <a:ext cx="1303668" cy="149647"/>
+            </a:xfrm>
+            <a:prstGeom prst="rect">
+              <a:avLst/>
+            </a:prstGeom>
+            <a:noFill/>
+          </p:spPr>
+          <p:txBody>
+            <a:bodyPr wrap="square" lIns="0" tIns="36000" rIns="0" bIns="36000">
+              <a:spAutoFit/>
+            </a:bodyPr>
+            <a:lstStyle/>
+            <a:p>
+              <a:pPr algn="ctr"/>
+              <a:r>
+                <a:rPr lang="en-US" sz="500" b="0" i="0" u="none" strike="noStrike" dirty="0">
+                  <a:solidFill>
+                    <a:srgbClr val="000000"/>
+                  </a:solidFill>
+                  <a:effectLst/>
+                  <a:latin typeface="Arial" panose="020B0604020202020204" pitchFamily="34" charset="0"/>
+                </a:rPr>
+                <a:t> </a:t>
+              </a:r>
+              <a:r>
+                <a:rPr lang="en-US" sz="500" b="1" i="0" u="none" strike="noStrike" dirty="0">
+                  <a:solidFill>
+                    <a:srgbClr val="000000"/>
+                  </a:solidFill>
+                  <a:effectLst/>
+                  <a:latin typeface="Arial" panose="020B0604020202020204" pitchFamily="34" charset="0"/>
+                </a:rPr>
+                <a:t>Second cue: Do NOT press anything!</a:t>
+              </a:r>
+              <a:endParaRPr lang="en-US" sz="500" dirty="0"/>
+            </a:p>
+          </p:txBody>
+        </p:sp>
+        <p:grpSp>
+          <p:nvGrpSpPr>
+            <p:cNvPr id="22" name="Group 21">
+              <a:extLst>
+                <a:ext uri="{FF2B5EF4-FFF2-40B4-BE49-F238E27FC236}">
+                  <a16:creationId xmlns:a16="http://schemas.microsoft.com/office/drawing/2014/main" id="{5A7FD802-C07F-CC47-8300-776A668FF292}"/>
+                </a:ext>
+              </a:extLst>
+            </p:cNvPr>
+            <p:cNvGrpSpPr/>
+            <p:nvPr/>
+          </p:nvGrpSpPr>
+          <p:grpSpPr>
+            <a:xfrm>
+              <a:off x="9235598" y="2682110"/>
+              <a:ext cx="360000" cy="360000"/>
+              <a:chOff x="3653088" y="638218"/>
+              <a:chExt cx="360000" cy="360000"/>
+            </a:xfrm>
+          </p:grpSpPr>
+          <p:sp>
+            <p:nvSpPr>
+              <p:cNvPr id="23" name="Oval 22">
+                <a:extLst>
+                  <a:ext uri="{FF2B5EF4-FFF2-40B4-BE49-F238E27FC236}">
+                    <a16:creationId xmlns:a16="http://schemas.microsoft.com/office/drawing/2014/main" id="{E39A2D82-48EA-189F-7A46-E987806B99B8}"/>
+                  </a:ext>
+                </a:extLst>
+              </p:cNvPr>
+              <p:cNvSpPr>
+                <a:spLocks noChangeAspect="1"/>
+              </p:cNvSpPr>
+              <p:nvPr/>
+            </p:nvSpPr>
+            <p:spPr>
+              <a:xfrm>
+                <a:off x="3653088" y="638218"/>
+                <a:ext cx="360000" cy="360000"/>
+              </a:xfrm>
+              <a:prstGeom prst="ellipse">
+                <a:avLst/>
+              </a:prstGeom>
+              <a:solidFill>
+                <a:schemeClr val="accent1">
+                  <a:lumMod val="75000"/>
+                </a:schemeClr>
+              </a:solidFill>
+              <a:ln>
+                <a:noFill/>
+              </a:ln>
+            </p:spPr>
+            <p:style>
+              <a:lnRef idx="2">
+                <a:schemeClr val="accent1">
+                  <a:shade val="50000"/>
+                </a:schemeClr>
+              </a:lnRef>
+              <a:fillRef idx="1">
+                <a:schemeClr val="accent1"/>
+              </a:fillRef>
+              <a:effectRef idx="0">
+                <a:schemeClr val="accent1"/>
+              </a:effectRef>
+              <a:fontRef idx="minor">
+                <a:schemeClr val="lt1"/>
+              </a:fontRef>
+            </p:style>
+            <p:txBody>
+              <a:bodyPr rtlCol="0" anchor="ctr"/>
+              <a:lstStyle/>
+              <a:p>
+                <a:pPr algn="ctr"/>
+                <a:endParaRPr lang="en-US" dirty="0"/>
+              </a:p>
+            </p:txBody>
+          </p:sp>
+          <p:sp>
+            <p:nvSpPr>
+              <p:cNvPr id="24" name="Partial Circle 23">
+                <a:extLst>
+                  <a:ext uri="{FF2B5EF4-FFF2-40B4-BE49-F238E27FC236}">
+                    <a16:creationId xmlns:a16="http://schemas.microsoft.com/office/drawing/2014/main" id="{5C98F647-EF02-7D73-0EE7-043246399E11}"/>
+                  </a:ext>
+                </a:extLst>
+              </p:cNvPr>
+              <p:cNvSpPr/>
+              <p:nvPr/>
+            </p:nvSpPr>
+            <p:spPr>
+              <a:xfrm>
+                <a:off x="3653088" y="638218"/>
+                <a:ext cx="360000" cy="360000"/>
+              </a:xfrm>
+              <a:prstGeom prst="pie">
+                <a:avLst/>
+              </a:prstGeom>
+              <a:solidFill>
+                <a:schemeClr val="accent2"/>
+              </a:solidFill>
+              <a:ln>
+                <a:noFill/>
+              </a:ln>
+            </p:spPr>
+            <p:style>
+              <a:lnRef idx="2">
+                <a:schemeClr val="accent1">
+                  <a:shade val="50000"/>
+                </a:schemeClr>
+              </a:lnRef>
+              <a:fillRef idx="1">
+                <a:schemeClr val="accent1"/>
+              </a:fillRef>
+              <a:effectRef idx="0">
+                <a:schemeClr val="accent1"/>
+              </a:effectRef>
+              <a:fontRef idx="minor">
+                <a:schemeClr val="lt1"/>
+              </a:fontRef>
+            </p:style>
+            <p:txBody>
+              <a:bodyPr rtlCol="0" anchor="ctr"/>
+              <a:lstStyle/>
+              <a:p>
+                <a:pPr algn="ctr"/>
+                <a:endParaRPr lang="en-US" dirty="0"/>
+              </a:p>
+            </p:txBody>
+          </p:sp>
+        </p:grpSp>
+      </p:grpSp>
+      <p:grpSp>
+        <p:nvGrpSpPr>
+          <p:cNvPr id="59" name="Group 58">
+            <a:extLst>
+              <a:ext uri="{FF2B5EF4-FFF2-40B4-BE49-F238E27FC236}">
+                <a16:creationId xmlns:a16="http://schemas.microsoft.com/office/drawing/2014/main" id="{0D873B01-0E61-891A-48BE-10F495E41406}"/>
+              </a:ext>
+            </a:extLst>
+          </p:cNvPr>
+          <p:cNvGrpSpPr/>
+          <p:nvPr/>
+        </p:nvGrpSpPr>
+        <p:grpSpPr>
+          <a:xfrm>
+            <a:off x="9036681" y="95250"/>
+            <a:ext cx="2700000" cy="1080000"/>
+            <a:chOff x="9036681" y="95250"/>
+            <a:chExt cx="2700000" cy="1080000"/>
+          </a:xfrm>
+        </p:grpSpPr>
+        <p:sp>
+          <p:nvSpPr>
+            <p:cNvPr id="3" name="Rectangle 2">
+              <a:extLst>
+                <a:ext uri="{FF2B5EF4-FFF2-40B4-BE49-F238E27FC236}">
+                  <a16:creationId xmlns:a16="http://schemas.microsoft.com/office/drawing/2014/main" id="{1216DAFA-04DB-938B-FBCF-8F45F3585D75}"/>
+                </a:ext>
+              </a:extLst>
+            </p:cNvPr>
+            <p:cNvSpPr>
+              <a:spLocks/>
+            </p:cNvSpPr>
+            <p:nvPr/>
+          </p:nvSpPr>
+          <p:spPr>
+            <a:xfrm>
+              <a:off x="9036681" y="95250"/>
+              <a:ext cx="2700000" cy="1080000"/>
+            </a:xfrm>
+            <a:prstGeom prst="rect">
+              <a:avLst/>
+            </a:prstGeom>
+            <a:solidFill>
+              <a:schemeClr val="bg1"/>
+            </a:solidFill>
+            <a:ln>
+              <a:noFill/>
+            </a:ln>
+          </p:spPr>
+          <p:style>
+            <a:lnRef idx="2">
+              <a:schemeClr val="accent1">
+                <a:shade val="50000"/>
+              </a:schemeClr>
+            </a:lnRef>
+            <a:fillRef idx="1">
+              <a:schemeClr val="accent1"/>
+            </a:fillRef>
+            <a:effectRef idx="0">
+              <a:schemeClr val="accent1"/>
+            </a:effectRef>
+            <a:fontRef idx="minor">
+              <a:schemeClr val="lt1"/>
+            </a:fontRef>
+          </p:style>
+          <p:txBody>
+            <a:bodyPr rtlCol="0" anchor="ctr"/>
+            <a:lstStyle/>
+            <a:p>
+              <a:pPr algn="ctr"/>
+              <a:endParaRPr lang="en-US" dirty="0"/>
+            </a:p>
+          </p:txBody>
+        </p:sp>
+        <p:sp>
+          <p:nvSpPr>
+            <p:cNvPr id="5" name="Rectangle 4">
+              <a:extLst>
+                <a:ext uri="{FF2B5EF4-FFF2-40B4-BE49-F238E27FC236}">
+                  <a16:creationId xmlns:a16="http://schemas.microsoft.com/office/drawing/2014/main" id="{0EFDE0E8-45E1-F3A6-F287-F7519E127056}"/>
+                </a:ext>
+              </a:extLst>
+            </p:cNvPr>
+            <p:cNvSpPr>
+              <a:spLocks noChangeAspect="1"/>
+            </p:cNvSpPr>
+            <p:nvPr/>
+          </p:nvSpPr>
+          <p:spPr>
+            <a:xfrm>
+              <a:off x="10688040" y="178793"/>
+              <a:ext cx="720000" cy="720000"/>
+            </a:xfrm>
+            <a:prstGeom prst="rect">
+              <a:avLst/>
+            </a:prstGeom>
+            <a:solidFill>
+              <a:schemeClr val="accent1">
+                <a:lumMod val="75000"/>
+              </a:schemeClr>
+            </a:solidFill>
+            <a:ln>
+              <a:noFill/>
+            </a:ln>
+          </p:spPr>
+          <p:style>
+            <a:lnRef idx="2">
+              <a:schemeClr val="accent1">
+                <a:shade val="50000"/>
+              </a:schemeClr>
+            </a:lnRef>
+            <a:fillRef idx="1">
+              <a:schemeClr val="accent1"/>
+            </a:fillRef>
+            <a:effectRef idx="0">
+              <a:schemeClr val="accent1"/>
+            </a:effectRef>
+            <a:fontRef idx="minor">
+              <a:schemeClr val="lt1"/>
+            </a:fontRef>
+          </p:style>
+          <p:txBody>
+            <a:bodyPr rtlCol="0" anchor="ctr"/>
+            <a:lstStyle/>
+            <a:p>
+              <a:pPr algn="ctr"/>
+              <a:endParaRPr lang="en-US"/>
+            </a:p>
+          </p:txBody>
+        </p:sp>
+        <p:cxnSp>
+          <p:nvCxnSpPr>
+            <p:cNvPr id="8" name="Straight Arrow Connector 7">
+              <a:extLst>
+                <a:ext uri="{FF2B5EF4-FFF2-40B4-BE49-F238E27FC236}">
+                  <a16:creationId xmlns:a16="http://schemas.microsoft.com/office/drawing/2014/main" id="{2D1BB201-4829-B8BE-72F0-04516A94E931}"/>
+                </a:ext>
+              </a:extLst>
+            </p:cNvPr>
+            <p:cNvCxnSpPr>
+              <a:cxnSpLocks/>
+            </p:cNvCxnSpPr>
+            <p:nvPr/>
+          </p:nvCxnSpPr>
+          <p:spPr>
+            <a:xfrm>
+              <a:off x="9793681" y="538793"/>
+              <a:ext cx="720000" cy="0"/>
+            </a:xfrm>
+            <a:prstGeom prst="straightConnector1">
+              <a:avLst/>
+            </a:prstGeom>
+            <a:ln w="88900">
+              <a:solidFill>
+                <a:schemeClr val="tx1"/>
+              </a:solidFill>
+              <a:tailEnd type="triangle" w="sm" len="sm"/>
+            </a:ln>
+          </p:spPr>
+          <p:style>
+            <a:lnRef idx="1">
+              <a:schemeClr val="accent1"/>
+            </a:lnRef>
+            <a:fillRef idx="0">
+              <a:schemeClr val="accent1"/>
+            </a:fillRef>
+            <a:effectRef idx="0">
+              <a:schemeClr val="accent1"/>
+            </a:effectRef>
+            <a:fontRef idx="minor">
+              <a:schemeClr val="tx1"/>
+            </a:fontRef>
+          </p:style>
+        </p:cxnSp>
+        <p:sp>
+          <p:nvSpPr>
+            <p:cNvPr id="12" name="TextBox 11">
+              <a:extLst>
+                <a:ext uri="{FF2B5EF4-FFF2-40B4-BE49-F238E27FC236}">
+                  <a16:creationId xmlns:a16="http://schemas.microsoft.com/office/drawing/2014/main" id="{A6650C17-1F66-AAC8-7D20-1B4A4C512E31}"/>
+                </a:ext>
+              </a:extLst>
+            </p:cNvPr>
+            <p:cNvSpPr txBox="1"/>
+            <p:nvPr/>
+          </p:nvSpPr>
+          <p:spPr>
+            <a:xfrm>
+              <a:off x="9053115" y="898793"/>
+              <a:ext cx="724966" cy="149647"/>
+            </a:xfrm>
+            <a:prstGeom prst="rect">
+              <a:avLst/>
+            </a:prstGeom>
+            <a:noFill/>
+          </p:spPr>
+          <p:txBody>
+            <a:bodyPr wrap="square" lIns="0" tIns="36000" rIns="0" bIns="36000">
+              <a:spAutoFit/>
+            </a:bodyPr>
+            <a:lstStyle/>
+            <a:p>
+              <a:pPr algn="ctr"/>
+              <a:r>
+                <a:rPr lang="en-US" sz="500" b="0" i="0" u="none" strike="noStrike" dirty="0">
+                  <a:solidFill>
+                    <a:srgbClr val="000000"/>
+                  </a:solidFill>
+                  <a:effectLst/>
+                  <a:latin typeface="Arial" panose="020B0604020202020204" pitchFamily="34" charset="0"/>
+                </a:rPr>
+                <a:t> </a:t>
+              </a:r>
+              <a:r>
+                <a:rPr lang="en-US" sz="500" b="1" i="0" u="none" strike="noStrike" dirty="0">
+                  <a:solidFill>
+                    <a:srgbClr val="000000"/>
+                  </a:solidFill>
+                  <a:effectLst/>
+                  <a:latin typeface="Arial" panose="020B0604020202020204" pitchFamily="34" charset="0"/>
+                </a:rPr>
+                <a:t>First cue: Prepare</a:t>
+              </a:r>
+              <a:endParaRPr lang="en-US" sz="500" dirty="0"/>
+            </a:p>
+          </p:txBody>
+        </p:sp>
+        <p:sp>
+          <p:nvSpPr>
+            <p:cNvPr id="13" name="TextBox 12">
+              <a:extLst>
+                <a:ext uri="{FF2B5EF4-FFF2-40B4-BE49-F238E27FC236}">
+                  <a16:creationId xmlns:a16="http://schemas.microsoft.com/office/drawing/2014/main" id="{77A90308-4371-22A5-D8E8-7354D8C4BBCC}"/>
+                </a:ext>
+              </a:extLst>
+            </p:cNvPr>
+            <p:cNvSpPr txBox="1"/>
+            <p:nvPr/>
+          </p:nvSpPr>
+          <p:spPr>
+            <a:xfrm>
+              <a:off x="10396206" y="898793"/>
+              <a:ext cx="1303668" cy="226591"/>
+            </a:xfrm>
+            <a:prstGeom prst="rect">
+              <a:avLst/>
+            </a:prstGeom>
+            <a:noFill/>
+          </p:spPr>
+          <p:txBody>
+            <a:bodyPr wrap="square" lIns="0" tIns="36000" rIns="0" bIns="36000">
+              <a:spAutoFit/>
+            </a:bodyPr>
+            <a:lstStyle/>
+            <a:p>
+              <a:pPr algn="ctr"/>
+              <a:r>
+                <a:rPr lang="en-US" sz="500" b="0" i="0" u="none" strike="noStrike" dirty="0">
+                  <a:solidFill>
+                    <a:srgbClr val="000000"/>
+                  </a:solidFill>
+                  <a:effectLst/>
+                  <a:latin typeface="Arial" panose="020B0604020202020204" pitchFamily="34" charset="0"/>
+                </a:rPr>
+                <a:t> </a:t>
+              </a:r>
+              <a:r>
+                <a:rPr lang="en-US" sz="500" b="1" i="0" u="none" strike="noStrike" dirty="0">
+                  <a:solidFill>
+                    <a:srgbClr val="000000"/>
+                  </a:solidFill>
+                  <a:effectLst/>
+                  <a:latin typeface="Arial" panose="020B0604020202020204" pitchFamily="34" charset="0"/>
+                </a:rPr>
+                <a:t>Second cue: Go!</a:t>
+              </a:r>
+            </a:p>
+            <a:p>
+              <a:pPr algn="ctr"/>
+              <a:r>
+                <a:rPr lang="en-US" sz="500" b="1" i="0" u="none" strike="noStrike" dirty="0">
+                  <a:solidFill>
+                    <a:srgbClr val="000000"/>
+                  </a:solidFill>
+                  <a:effectLst/>
+                  <a:latin typeface="Arial" panose="020B0604020202020204" pitchFamily="34" charset="0"/>
+                </a:rPr>
+                <a:t>(Press the SPACE key as fast as possible)</a:t>
+              </a:r>
+              <a:endParaRPr lang="en-US" sz="500" dirty="0"/>
+            </a:p>
+          </p:txBody>
+        </p:sp>
+        <p:sp>
+          <p:nvSpPr>
+            <p:cNvPr id="16" name="TextBox 15">
+              <a:extLst>
+                <a:ext uri="{FF2B5EF4-FFF2-40B4-BE49-F238E27FC236}">
+                  <a16:creationId xmlns:a16="http://schemas.microsoft.com/office/drawing/2014/main" id="{002E5779-F71F-6298-A00B-B1ED5CB1FE57}"/>
+                </a:ext>
+              </a:extLst>
+            </p:cNvPr>
+            <p:cNvSpPr txBox="1"/>
+            <p:nvPr/>
+          </p:nvSpPr>
+          <p:spPr>
+            <a:xfrm>
+              <a:off x="9763405" y="348159"/>
+              <a:ext cx="724966" cy="149647"/>
+            </a:xfrm>
+            <a:prstGeom prst="rect">
+              <a:avLst/>
+            </a:prstGeom>
+            <a:noFill/>
+          </p:spPr>
+          <p:txBody>
+            <a:bodyPr wrap="square" lIns="0" tIns="36000" rIns="0" bIns="36000">
+              <a:spAutoFit/>
+            </a:bodyPr>
+            <a:lstStyle/>
+            <a:p>
+              <a:pPr algn="ctr"/>
+              <a:r>
+                <a:rPr lang="en-US" sz="500" i="0" u="none" strike="noStrike" dirty="0">
+                  <a:solidFill>
+                    <a:srgbClr val="000000"/>
+                  </a:solidFill>
+                  <a:effectLst/>
+                  <a:latin typeface="Arial" panose="020B0604020202020204" pitchFamily="34" charset="0"/>
+                </a:rPr>
+                <a:t>Probably</a:t>
+              </a:r>
+              <a:endParaRPr lang="en-US" sz="500" dirty="0"/>
+            </a:p>
+          </p:txBody>
+        </p:sp>
+        <p:grpSp>
+          <p:nvGrpSpPr>
+            <p:cNvPr id="36" name="Group 35">
+              <a:extLst>
+                <a:ext uri="{FF2B5EF4-FFF2-40B4-BE49-F238E27FC236}">
+                  <a16:creationId xmlns:a16="http://schemas.microsoft.com/office/drawing/2014/main" id="{F282B437-2BBA-F48B-A8CC-953889C9BC75}"/>
+                </a:ext>
+              </a:extLst>
+            </p:cNvPr>
+            <p:cNvGrpSpPr/>
+            <p:nvPr/>
+          </p:nvGrpSpPr>
+          <p:grpSpPr>
+            <a:xfrm>
+              <a:off x="9235598" y="358793"/>
+              <a:ext cx="360000" cy="360000"/>
+              <a:chOff x="1686170" y="638218"/>
+              <a:chExt cx="360000" cy="360000"/>
+            </a:xfrm>
+          </p:grpSpPr>
+          <p:sp>
+            <p:nvSpPr>
+              <p:cNvPr id="38" name="Oval 37">
+                <a:extLst>
+                  <a:ext uri="{FF2B5EF4-FFF2-40B4-BE49-F238E27FC236}">
+                    <a16:creationId xmlns:a16="http://schemas.microsoft.com/office/drawing/2014/main" id="{C0FA9D09-7BFB-5A1F-CF92-998E62E49FAF}"/>
+                  </a:ext>
+                </a:extLst>
+              </p:cNvPr>
+              <p:cNvSpPr>
+                <a:spLocks noChangeAspect="1"/>
+              </p:cNvSpPr>
+              <p:nvPr/>
+            </p:nvSpPr>
+            <p:spPr>
+              <a:xfrm>
+                <a:off x="1686170" y="638218"/>
+                <a:ext cx="360000" cy="360000"/>
+              </a:xfrm>
+              <a:prstGeom prst="ellipse">
+                <a:avLst/>
+              </a:prstGeom>
+              <a:solidFill>
+                <a:schemeClr val="accent2"/>
+              </a:solidFill>
+              <a:ln>
+                <a:noFill/>
+              </a:ln>
+            </p:spPr>
+            <p:style>
+              <a:lnRef idx="2">
+                <a:schemeClr val="accent1">
+                  <a:shade val="50000"/>
+                </a:schemeClr>
+              </a:lnRef>
+              <a:fillRef idx="1">
+                <a:schemeClr val="accent1"/>
+              </a:fillRef>
+              <a:effectRef idx="0">
+                <a:schemeClr val="accent1"/>
+              </a:effectRef>
+              <a:fontRef idx="minor">
+                <a:schemeClr val="lt1"/>
+              </a:fontRef>
+            </p:style>
+            <p:txBody>
+              <a:bodyPr rtlCol="0" anchor="ctr"/>
+              <a:lstStyle/>
+              <a:p>
+                <a:pPr algn="ctr"/>
+                <a:endParaRPr lang="en-US" dirty="0"/>
+              </a:p>
+            </p:txBody>
+          </p:sp>
+          <p:sp>
+            <p:nvSpPr>
+              <p:cNvPr id="39" name="Partial Circle 38">
+                <a:extLst>
+                  <a:ext uri="{FF2B5EF4-FFF2-40B4-BE49-F238E27FC236}">
+                    <a16:creationId xmlns:a16="http://schemas.microsoft.com/office/drawing/2014/main" id="{E8563702-803B-5C31-80EC-F6C2957806B0}"/>
+                  </a:ext>
+                </a:extLst>
+              </p:cNvPr>
+              <p:cNvSpPr/>
+              <p:nvPr/>
+            </p:nvSpPr>
+            <p:spPr>
+              <a:xfrm>
+                <a:off x="1686170" y="638218"/>
+                <a:ext cx="360000" cy="360000"/>
+              </a:xfrm>
+              <a:prstGeom prst="pie">
+                <a:avLst/>
+              </a:prstGeom>
+              <a:solidFill>
+                <a:schemeClr val="accent1">
+                  <a:lumMod val="75000"/>
+                </a:schemeClr>
+              </a:solidFill>
+              <a:ln>
+                <a:noFill/>
+              </a:ln>
+            </p:spPr>
+            <p:style>
+              <a:lnRef idx="2">
+                <a:schemeClr val="accent1">
+                  <a:shade val="50000"/>
+                </a:schemeClr>
+              </a:lnRef>
+              <a:fillRef idx="1">
+                <a:schemeClr val="accent1"/>
+              </a:fillRef>
+              <a:effectRef idx="0">
+                <a:schemeClr val="accent1"/>
+              </a:effectRef>
+              <a:fontRef idx="minor">
+                <a:schemeClr val="lt1"/>
+              </a:fontRef>
+            </p:style>
+            <p:txBody>
+              <a:bodyPr rtlCol="0" anchor="ctr"/>
+              <a:lstStyle/>
+              <a:p>
+                <a:pPr algn="ctr"/>
+                <a:endParaRPr lang="en-US"/>
+              </a:p>
+            </p:txBody>
+          </p:sp>
+        </p:grpSp>
+      </p:grpSp>
+      <p:grpSp>
+        <p:nvGrpSpPr>
+          <p:cNvPr id="58" name="Group 57">
+            <a:extLst>
+              <a:ext uri="{FF2B5EF4-FFF2-40B4-BE49-F238E27FC236}">
+                <a16:creationId xmlns:a16="http://schemas.microsoft.com/office/drawing/2014/main" id="{D07F1338-C0F2-769B-DA50-DBD45D1B04B3}"/>
+              </a:ext>
+            </a:extLst>
+          </p:cNvPr>
+          <p:cNvGrpSpPr/>
+          <p:nvPr/>
+        </p:nvGrpSpPr>
+        <p:grpSpPr>
+          <a:xfrm>
+            <a:off x="407419" y="2359785"/>
+            <a:ext cx="3060000" cy="1440000"/>
+            <a:chOff x="407419" y="2359785"/>
+            <a:chExt cx="3060000" cy="1440000"/>
+          </a:xfrm>
+        </p:grpSpPr>
+        <p:sp>
+          <p:nvSpPr>
+            <p:cNvPr id="104" name="Rectangle 103">
+              <a:extLst>
+                <a:ext uri="{FF2B5EF4-FFF2-40B4-BE49-F238E27FC236}">
+                  <a16:creationId xmlns:a16="http://schemas.microsoft.com/office/drawing/2014/main" id="{41E5EF14-901A-B018-91A9-C1321E269267}"/>
+                </a:ext>
+              </a:extLst>
+            </p:cNvPr>
+            <p:cNvSpPr>
+              <a:spLocks/>
+            </p:cNvSpPr>
+            <p:nvPr/>
+          </p:nvSpPr>
+          <p:spPr>
+            <a:xfrm>
+              <a:off x="407419" y="2359785"/>
+              <a:ext cx="3060000" cy="1440000"/>
+            </a:xfrm>
+            <a:prstGeom prst="rect">
+              <a:avLst/>
+            </a:prstGeom>
+            <a:solidFill>
+              <a:schemeClr val="bg1"/>
+            </a:solidFill>
+            <a:ln>
+              <a:noFill/>
+            </a:ln>
+          </p:spPr>
+          <p:style>
+            <a:lnRef idx="2">
+              <a:schemeClr val="accent1">
+                <a:shade val="50000"/>
+              </a:schemeClr>
+            </a:lnRef>
+            <a:fillRef idx="1">
+              <a:schemeClr val="accent1"/>
+            </a:fillRef>
+            <a:effectRef idx="0">
+              <a:schemeClr val="accent1"/>
+            </a:effectRef>
+            <a:fontRef idx="minor">
+              <a:schemeClr val="lt1"/>
+            </a:fontRef>
+          </p:style>
+          <p:txBody>
+            <a:bodyPr rtlCol="0" anchor="ctr"/>
+            <a:lstStyle/>
+            <a:p>
+              <a:pPr algn="ctr"/>
+              <a:endParaRPr lang="en-US" dirty="0"/>
+            </a:p>
+          </p:txBody>
+        </p:sp>
+        <p:sp>
+          <p:nvSpPr>
+            <p:cNvPr id="108" name="TextBox 107">
+              <a:extLst>
+                <a:ext uri="{FF2B5EF4-FFF2-40B4-BE49-F238E27FC236}">
+                  <a16:creationId xmlns:a16="http://schemas.microsoft.com/office/drawing/2014/main" id="{0F256779-2934-4FB1-66BB-587857542940}"/>
+                </a:ext>
+              </a:extLst>
+            </p:cNvPr>
+            <p:cNvSpPr txBox="1"/>
+            <p:nvPr/>
+          </p:nvSpPr>
+          <p:spPr>
+            <a:xfrm>
+              <a:off x="456668" y="2807095"/>
+              <a:ext cx="1341502" cy="303536"/>
+            </a:xfrm>
+            <a:prstGeom prst="rect">
+              <a:avLst/>
+            </a:prstGeom>
+            <a:noFill/>
+          </p:spPr>
+          <p:txBody>
+            <a:bodyPr wrap="square" lIns="0" tIns="36000" rIns="0" bIns="36000">
+              <a:spAutoFit/>
+            </a:bodyPr>
+            <a:lstStyle/>
+            <a:p>
+              <a:pPr algn="ctr"/>
+              <a:r>
+                <a:rPr lang="en-US" sz="500" b="1" i="0" u="none" strike="noStrike" dirty="0">
+                  <a:solidFill>
+                    <a:srgbClr val="000000"/>
+                  </a:solidFill>
+                  <a:effectLst/>
+                  <a:latin typeface="Arial" panose="020B0604020202020204" pitchFamily="34" charset="0"/>
+                </a:rPr>
+                <a:t>The next square is likely blue.</a:t>
+              </a:r>
+            </a:p>
+            <a:p>
+              <a:pPr algn="ctr"/>
+              <a:r>
+                <a:rPr lang="en-US" sz="500" b="1" dirty="0">
+                  <a:solidFill>
+                    <a:srgbClr val="000000"/>
+                  </a:solidFill>
+                  <a:latin typeface="Arial" panose="020B0604020202020204" pitchFamily="34" charset="0"/>
+                </a:rPr>
+                <a:t>Prepare to press the SPACE key.</a:t>
+              </a:r>
+            </a:p>
+            <a:p>
+              <a:pPr algn="ctr"/>
+              <a:r>
+                <a:rPr lang="en-US" sz="500" b="1" i="0" u="none" strike="noStrike" dirty="0">
+                  <a:solidFill>
+                    <a:srgbClr val="000000"/>
+                  </a:solidFill>
+                  <a:effectLst/>
+                  <a:latin typeface="Arial" panose="020B0604020202020204" pitchFamily="34" charset="0"/>
+                </a:rPr>
+                <a:t>But remember: The square might be orange! </a:t>
+              </a:r>
+              <a:endParaRPr lang="en-US" sz="500" b="1" dirty="0"/>
+            </a:p>
+          </p:txBody>
+        </p:sp>
+        <p:sp>
+          <p:nvSpPr>
+            <p:cNvPr id="134" name="TextBox 133">
+              <a:extLst>
+                <a:ext uri="{FF2B5EF4-FFF2-40B4-BE49-F238E27FC236}">
+                  <a16:creationId xmlns:a16="http://schemas.microsoft.com/office/drawing/2014/main" id="{24635056-46C5-CE76-3E29-63ED2322F4D8}"/>
+                </a:ext>
+              </a:extLst>
+            </p:cNvPr>
+            <p:cNvSpPr txBox="1"/>
+            <p:nvPr/>
+          </p:nvSpPr>
+          <p:spPr>
+            <a:xfrm>
+              <a:off x="2083882" y="2807095"/>
+              <a:ext cx="1326068" cy="303536"/>
+            </a:xfrm>
+            <a:prstGeom prst="rect">
+              <a:avLst/>
+            </a:prstGeom>
+            <a:noFill/>
+          </p:spPr>
+          <p:txBody>
+            <a:bodyPr wrap="square" lIns="0" tIns="36000" rIns="0" bIns="36000">
+              <a:spAutoFit/>
+            </a:bodyPr>
+            <a:lstStyle/>
+            <a:p>
+              <a:pPr algn="ctr"/>
+              <a:r>
+                <a:rPr lang="en-US" sz="500" b="1" i="0" u="none" strike="noStrike" dirty="0">
+                  <a:solidFill>
+                    <a:srgbClr val="000000"/>
+                  </a:solidFill>
+                  <a:effectLst/>
+                  <a:latin typeface="Arial" panose="020B0604020202020204" pitchFamily="34" charset="0"/>
+                </a:rPr>
+                <a:t>The next square is likely orange.</a:t>
+              </a:r>
+            </a:p>
+            <a:p>
+              <a:pPr algn="ctr"/>
+              <a:r>
+                <a:rPr lang="en-US" sz="500" b="1" dirty="0">
+                  <a:solidFill>
+                    <a:srgbClr val="000000"/>
+                  </a:solidFill>
+                  <a:latin typeface="Arial" panose="020B0604020202020204" pitchFamily="34" charset="0"/>
+                </a:rPr>
+                <a:t>You will </a:t>
+              </a:r>
+              <a:r>
+                <a:rPr lang="en-US" sz="500" b="1" i="1" dirty="0">
+                  <a:solidFill>
+                    <a:srgbClr val="000000"/>
+                  </a:solidFill>
+                  <a:latin typeface="Arial" panose="020B0604020202020204" pitchFamily="34" charset="0"/>
+                </a:rPr>
+                <a:t>probably</a:t>
+              </a:r>
+              <a:r>
+                <a:rPr lang="en-US" sz="500" b="1" dirty="0">
+                  <a:solidFill>
+                    <a:srgbClr val="000000"/>
+                  </a:solidFill>
+                  <a:latin typeface="Arial" panose="020B0604020202020204" pitchFamily="34" charset="0"/>
+                </a:rPr>
+                <a:t> not need to respond.</a:t>
+              </a:r>
+            </a:p>
+            <a:p>
+              <a:pPr algn="ctr"/>
+              <a:r>
+                <a:rPr lang="en-US" sz="500" b="1" i="0" u="none" strike="noStrike" dirty="0">
+                  <a:solidFill>
+                    <a:srgbClr val="000000"/>
+                  </a:solidFill>
+                  <a:effectLst/>
+                  <a:latin typeface="Arial" panose="020B0604020202020204" pitchFamily="34" charset="0"/>
+                </a:rPr>
+                <a:t>But remember: The square might be blue! </a:t>
+              </a:r>
+              <a:endParaRPr lang="en-US" sz="500" b="1" dirty="0"/>
+            </a:p>
+          </p:txBody>
+        </p:sp>
+        <p:sp>
+          <p:nvSpPr>
+            <p:cNvPr id="136" name="Oval 135">
+              <a:extLst>
+                <a:ext uri="{FF2B5EF4-FFF2-40B4-BE49-F238E27FC236}">
+                  <a16:creationId xmlns:a16="http://schemas.microsoft.com/office/drawing/2014/main" id="{A0FA49B4-B4CD-9F52-EC24-9167DADF457B}"/>
+                </a:ext>
+              </a:extLst>
+            </p:cNvPr>
+            <p:cNvSpPr>
+              <a:spLocks noChangeAspect="1"/>
+            </p:cNvSpPr>
+            <p:nvPr/>
+          </p:nvSpPr>
+          <p:spPr>
+            <a:xfrm>
+              <a:off x="1757168" y="3188675"/>
+              <a:ext cx="360000" cy="360000"/>
+            </a:xfrm>
+            <a:prstGeom prst="ellipse">
+              <a:avLst/>
+            </a:prstGeom>
+            <a:solidFill>
+              <a:schemeClr val="accent2"/>
+            </a:solidFill>
+            <a:ln>
+              <a:noFill/>
+            </a:ln>
+          </p:spPr>
+          <p:style>
+            <a:lnRef idx="2">
+              <a:schemeClr val="accent1">
+                <a:shade val="50000"/>
+              </a:schemeClr>
+            </a:lnRef>
+            <a:fillRef idx="1">
+              <a:schemeClr val="accent1"/>
+            </a:fillRef>
+            <a:effectRef idx="0">
+              <a:schemeClr val="accent1"/>
+            </a:effectRef>
+            <a:fontRef idx="minor">
+              <a:schemeClr val="lt1"/>
+            </a:fontRef>
+          </p:style>
+          <p:txBody>
+            <a:bodyPr rtlCol="0" anchor="ctr"/>
+            <a:lstStyle/>
+            <a:p>
+              <a:pPr algn="ctr"/>
+              <a:endParaRPr lang="en-US" dirty="0"/>
+            </a:p>
+          </p:txBody>
+        </p:sp>
+        <p:sp>
+          <p:nvSpPr>
+            <p:cNvPr id="137" name="TextBox 136">
+              <a:extLst>
+                <a:ext uri="{FF2B5EF4-FFF2-40B4-BE49-F238E27FC236}">
+                  <a16:creationId xmlns:a16="http://schemas.microsoft.com/office/drawing/2014/main" id="{B4384F1E-B754-31D7-744D-8A6E5A259E9A}"/>
+                </a:ext>
+              </a:extLst>
+            </p:cNvPr>
+            <p:cNvSpPr txBox="1"/>
+            <p:nvPr/>
+          </p:nvSpPr>
+          <p:spPr>
+            <a:xfrm>
+              <a:off x="1341480" y="3553719"/>
+              <a:ext cx="1191376" cy="226591"/>
+            </a:xfrm>
+            <a:prstGeom prst="rect">
+              <a:avLst/>
+            </a:prstGeom>
+            <a:noFill/>
+          </p:spPr>
+          <p:txBody>
+            <a:bodyPr wrap="square" lIns="0" tIns="36000" rIns="0" bIns="36000">
+              <a:spAutoFit/>
+            </a:bodyPr>
+            <a:lstStyle/>
+            <a:p>
+              <a:pPr algn="ctr"/>
+              <a:r>
+                <a:rPr lang="en-US" sz="500" b="1" i="0" u="none" strike="noStrike" dirty="0">
+                  <a:solidFill>
+                    <a:srgbClr val="000000"/>
+                  </a:solidFill>
+                  <a:effectLst/>
+                  <a:latin typeface="Arial" panose="020B0604020202020204" pitchFamily="34" charset="0"/>
+                </a:rPr>
+                <a:t>The next square is </a:t>
+              </a:r>
+              <a:r>
+                <a:rPr lang="en-US" sz="500" b="1" i="1" dirty="0">
+                  <a:solidFill>
+                    <a:srgbClr val="000000"/>
+                  </a:solidFill>
+                  <a:latin typeface="Arial" panose="020B0604020202020204" pitchFamily="34" charset="0"/>
+                </a:rPr>
+                <a:t>definitely</a:t>
+              </a:r>
+              <a:r>
+                <a:rPr lang="en-US" sz="500" b="1" i="0" u="none" strike="noStrike" dirty="0">
+                  <a:solidFill>
+                    <a:srgbClr val="000000"/>
+                  </a:solidFill>
+                  <a:effectLst/>
+                  <a:latin typeface="Arial" panose="020B0604020202020204" pitchFamily="34" charset="0"/>
+                </a:rPr>
+                <a:t> orange.</a:t>
+              </a:r>
+            </a:p>
+            <a:p>
+              <a:pPr algn="ctr"/>
+              <a:r>
+                <a:rPr lang="en-US" sz="500" b="1" dirty="0">
+                  <a:solidFill>
+                    <a:srgbClr val="000000"/>
+                  </a:solidFill>
+                  <a:latin typeface="Arial" panose="020B0604020202020204" pitchFamily="34" charset="0"/>
+                </a:rPr>
+                <a:t>You will not need to respond.</a:t>
+              </a:r>
+            </a:p>
+          </p:txBody>
+        </p:sp>
+        <p:grpSp>
+          <p:nvGrpSpPr>
+            <p:cNvPr id="27" name="Group 26">
+              <a:extLst>
+                <a:ext uri="{FF2B5EF4-FFF2-40B4-BE49-F238E27FC236}">
+                  <a16:creationId xmlns:a16="http://schemas.microsoft.com/office/drawing/2014/main" id="{485F0FF1-CB57-D1AA-4EBD-05B55DD8DDD5}"/>
+                </a:ext>
+              </a:extLst>
+            </p:cNvPr>
+            <p:cNvGrpSpPr/>
+            <p:nvPr/>
+          </p:nvGrpSpPr>
+          <p:grpSpPr>
+            <a:xfrm>
+              <a:off x="2586938" y="2405653"/>
+              <a:ext cx="360000" cy="360000"/>
+              <a:chOff x="3653088" y="638218"/>
+              <a:chExt cx="360000" cy="360000"/>
+            </a:xfrm>
+          </p:grpSpPr>
+          <p:sp>
+            <p:nvSpPr>
+              <p:cNvPr id="28" name="Oval 27">
+                <a:extLst>
+                  <a:ext uri="{FF2B5EF4-FFF2-40B4-BE49-F238E27FC236}">
+                    <a16:creationId xmlns:a16="http://schemas.microsoft.com/office/drawing/2014/main" id="{1FB19461-B639-E45E-ED11-8F8D209815DB}"/>
+                  </a:ext>
+                </a:extLst>
+              </p:cNvPr>
+              <p:cNvSpPr>
+                <a:spLocks noChangeAspect="1"/>
+              </p:cNvSpPr>
+              <p:nvPr/>
+            </p:nvSpPr>
+            <p:spPr>
+              <a:xfrm>
+                <a:off x="3653088" y="638218"/>
+                <a:ext cx="360000" cy="360000"/>
+              </a:xfrm>
+              <a:prstGeom prst="ellipse">
+                <a:avLst/>
+              </a:prstGeom>
+              <a:solidFill>
+                <a:schemeClr val="accent1">
+                  <a:lumMod val="75000"/>
+                </a:schemeClr>
+              </a:solidFill>
+              <a:ln>
+                <a:noFill/>
+              </a:ln>
+            </p:spPr>
+            <p:style>
+              <a:lnRef idx="2">
+                <a:schemeClr val="accent1">
+                  <a:shade val="50000"/>
+                </a:schemeClr>
+              </a:lnRef>
+              <a:fillRef idx="1">
+                <a:schemeClr val="accent1"/>
+              </a:fillRef>
+              <a:effectRef idx="0">
+                <a:schemeClr val="accent1"/>
+              </a:effectRef>
+              <a:fontRef idx="minor">
+                <a:schemeClr val="lt1"/>
+              </a:fontRef>
+            </p:style>
+            <p:txBody>
+              <a:bodyPr rtlCol="0" anchor="ctr"/>
+              <a:lstStyle/>
+              <a:p>
+                <a:pPr algn="ctr"/>
+                <a:endParaRPr lang="en-US" dirty="0"/>
+              </a:p>
+            </p:txBody>
+          </p:sp>
+          <p:sp>
+            <p:nvSpPr>
+              <p:cNvPr id="34" name="Partial Circle 33">
+                <a:extLst>
+                  <a:ext uri="{FF2B5EF4-FFF2-40B4-BE49-F238E27FC236}">
+                    <a16:creationId xmlns:a16="http://schemas.microsoft.com/office/drawing/2014/main" id="{B29D775D-FAAE-E1AC-FCF8-048392C504F6}"/>
+                  </a:ext>
+                </a:extLst>
+              </p:cNvPr>
+              <p:cNvSpPr/>
+              <p:nvPr/>
+            </p:nvSpPr>
+            <p:spPr>
+              <a:xfrm>
+                <a:off x="3653088" y="638218"/>
+                <a:ext cx="360000" cy="360000"/>
+              </a:xfrm>
+              <a:prstGeom prst="pie">
+                <a:avLst/>
+              </a:prstGeom>
+              <a:solidFill>
+                <a:schemeClr val="accent2"/>
+              </a:solidFill>
+              <a:ln>
+                <a:noFill/>
+              </a:ln>
+            </p:spPr>
+            <p:style>
+              <a:lnRef idx="2">
+                <a:schemeClr val="accent1">
+                  <a:shade val="50000"/>
+                </a:schemeClr>
+              </a:lnRef>
+              <a:fillRef idx="1">
+                <a:schemeClr val="accent1"/>
+              </a:fillRef>
+              <a:effectRef idx="0">
+                <a:schemeClr val="accent1"/>
+              </a:effectRef>
+              <a:fontRef idx="minor">
+                <a:schemeClr val="lt1"/>
+              </a:fontRef>
+            </p:style>
+            <p:txBody>
+              <a:bodyPr rtlCol="0" anchor="ctr"/>
+              <a:lstStyle/>
+              <a:p>
+                <a:pPr algn="ctr"/>
+                <a:endParaRPr lang="en-US" dirty="0"/>
+              </a:p>
+            </p:txBody>
+          </p:sp>
+        </p:grpSp>
+        <p:grpSp>
+          <p:nvGrpSpPr>
+            <p:cNvPr id="51" name="Group 50">
+              <a:extLst>
+                <a:ext uri="{FF2B5EF4-FFF2-40B4-BE49-F238E27FC236}">
+                  <a16:creationId xmlns:a16="http://schemas.microsoft.com/office/drawing/2014/main" id="{0351B7B7-D156-E407-FD99-8977C0439C7D}"/>
+                </a:ext>
+              </a:extLst>
+            </p:cNvPr>
+            <p:cNvGrpSpPr/>
+            <p:nvPr/>
+          </p:nvGrpSpPr>
+          <p:grpSpPr>
+            <a:xfrm>
+              <a:off x="947419" y="2405653"/>
+              <a:ext cx="360000" cy="360000"/>
+              <a:chOff x="1686170" y="638218"/>
+              <a:chExt cx="360000" cy="360000"/>
+            </a:xfrm>
+          </p:grpSpPr>
+          <p:sp>
+            <p:nvSpPr>
+              <p:cNvPr id="54" name="Oval 53">
+                <a:extLst>
+                  <a:ext uri="{FF2B5EF4-FFF2-40B4-BE49-F238E27FC236}">
+                    <a16:creationId xmlns:a16="http://schemas.microsoft.com/office/drawing/2014/main" id="{AC723D1E-6A16-936E-878E-AA1B1D321398}"/>
+                  </a:ext>
+                </a:extLst>
+              </p:cNvPr>
+              <p:cNvSpPr>
+                <a:spLocks noChangeAspect="1"/>
+              </p:cNvSpPr>
+              <p:nvPr/>
+            </p:nvSpPr>
+            <p:spPr>
+              <a:xfrm>
+                <a:off x="1686170" y="638218"/>
+                <a:ext cx="360000" cy="360000"/>
+              </a:xfrm>
+              <a:prstGeom prst="ellipse">
+                <a:avLst/>
+              </a:prstGeom>
+              <a:solidFill>
+                <a:schemeClr val="accent2"/>
+              </a:solidFill>
+              <a:ln>
+                <a:noFill/>
+              </a:ln>
+            </p:spPr>
+            <p:style>
+              <a:lnRef idx="2">
+                <a:schemeClr val="accent1">
+                  <a:shade val="50000"/>
+                </a:schemeClr>
+              </a:lnRef>
+              <a:fillRef idx="1">
+                <a:schemeClr val="accent1"/>
+              </a:fillRef>
+              <a:effectRef idx="0">
+                <a:schemeClr val="accent1"/>
+              </a:effectRef>
+              <a:fontRef idx="minor">
+                <a:schemeClr val="lt1"/>
+              </a:fontRef>
+            </p:style>
+            <p:txBody>
+              <a:bodyPr rtlCol="0" anchor="ctr"/>
+              <a:lstStyle/>
+              <a:p>
+                <a:pPr algn="ctr"/>
+                <a:endParaRPr lang="en-US" dirty="0"/>
+              </a:p>
+            </p:txBody>
+          </p:sp>
+          <p:sp>
+            <p:nvSpPr>
+              <p:cNvPr id="57" name="Partial Circle 56">
+                <a:extLst>
+                  <a:ext uri="{FF2B5EF4-FFF2-40B4-BE49-F238E27FC236}">
+                    <a16:creationId xmlns:a16="http://schemas.microsoft.com/office/drawing/2014/main" id="{F946D15E-DDF4-371E-1E14-1C3DC62442A0}"/>
+                  </a:ext>
+                </a:extLst>
+              </p:cNvPr>
+              <p:cNvSpPr/>
+              <p:nvPr/>
+            </p:nvSpPr>
+            <p:spPr>
+              <a:xfrm>
+                <a:off x="1686170" y="638218"/>
+                <a:ext cx="360000" cy="360000"/>
+              </a:xfrm>
+              <a:prstGeom prst="pie">
+                <a:avLst/>
+              </a:prstGeom>
+              <a:solidFill>
+                <a:schemeClr val="accent1">
+                  <a:lumMod val="75000"/>
+                </a:schemeClr>
+              </a:solidFill>
+              <a:ln>
+                <a:noFill/>
+              </a:ln>
+            </p:spPr>
+            <p:style>
+              <a:lnRef idx="2">
+                <a:schemeClr val="accent1">
+                  <a:shade val="50000"/>
+                </a:schemeClr>
+              </a:lnRef>
+              <a:fillRef idx="1">
+                <a:schemeClr val="accent1"/>
+              </a:fillRef>
+              <a:effectRef idx="0">
+                <a:schemeClr val="accent1"/>
+              </a:effectRef>
+              <a:fontRef idx="minor">
+                <a:schemeClr val="lt1"/>
+              </a:fontRef>
+            </p:style>
+            <p:txBody>
+              <a:bodyPr rtlCol="0" anchor="ctr"/>
+              <a:lstStyle/>
+              <a:p>
+                <a:pPr algn="ctr"/>
+                <a:endParaRPr lang="en-US"/>
+              </a:p>
+            </p:txBody>
+          </p:sp>
+        </p:grpSp>
+      </p:grpSp>
+    </p:spTree>
+    <p:extLst>
+      <p:ext uri="{BB962C8B-B14F-4D97-AF65-F5344CB8AC3E}">
+        <p14:creationId xmlns:p14="http://schemas.microsoft.com/office/powerpoint/2010/main" val="4238623335"/>
+      </p:ext>
+    </p:extLst>
+  </p:cSld>
+  <p:clrMapOvr>
+    <a:masterClrMapping/>
+  </p:clrMapOvr>
+</p:sld>
+</file>
+
+<file path=ppt/slides/slide2.xml><?xml version="1.0" encoding="utf-8"?>
+<p:sld xmlns:a="http://schemas.openxmlformats.org/drawingml/2006/main" xmlns:r="http://schemas.openxmlformats.org/officeDocument/2006/relationships" xmlns:p="http://schemas.openxmlformats.org/presentationml/2006/main">
+  <p:cSld>
+    <p:spTree>
+      <p:nvGrpSpPr>
+        <p:cNvPr id="1" name=""/>
+        <p:cNvGrpSpPr/>
+        <p:nvPr/>
+      </p:nvGrpSpPr>
+      <p:grpSpPr>
+        <a:xfrm>
+          <a:off x="0" y="0"/>
+          <a:ext cx="0" cy="0"/>
+          <a:chOff x="0" y="0"/>
+          <a:chExt cx="0" cy="0"/>
+        </a:xfrm>
+      </p:grpSpPr>
+      <p:sp>
+        <p:nvSpPr>
+          <p:cNvPr id="12" name="Oval 11">
+            <a:extLst>
+              <a:ext uri="{FF2B5EF4-FFF2-40B4-BE49-F238E27FC236}">
+                <a16:creationId xmlns:a16="http://schemas.microsoft.com/office/drawing/2014/main" id="{340D2615-3B97-5B49-7FB8-445C3C8016C2}"/>
+              </a:ext>
+            </a:extLst>
+          </p:cNvPr>
+          <p:cNvSpPr>
+            <a:spLocks noChangeAspect="1"/>
+          </p:cNvSpPr>
+          <p:nvPr/>
+        </p:nvSpPr>
+        <p:spPr>
+          <a:xfrm>
+            <a:off x="2228902" y="1399335"/>
+            <a:ext cx="828000" cy="828000"/>
+          </a:xfrm>
+          <a:prstGeom prst="ellipse">
+            <a:avLst/>
+          </a:prstGeom>
+          <a:solidFill>
+            <a:schemeClr val="accent1">
+              <a:lumMod val="75000"/>
+            </a:schemeClr>
+          </a:solidFill>
+          <a:ln>
+            <a:noFill/>
+          </a:ln>
+        </p:spPr>
+        <p:style>
+          <a:lnRef idx="2">
+            <a:schemeClr val="accent1">
+              <a:shade val="50000"/>
+            </a:schemeClr>
+          </a:lnRef>
+          <a:fillRef idx="1">
+            <a:schemeClr val="accent1"/>
+          </a:fillRef>
+          <a:effectRef idx="0">
+            <a:schemeClr val="accent1"/>
+          </a:effectRef>
+          <a:fontRef idx="minor">
+            <a:schemeClr val="lt1"/>
+          </a:fontRef>
+        </p:style>
+        <p:txBody>
+          <a:bodyPr rtlCol="0" anchor="ctr"/>
+          <a:lstStyle/>
+          <a:p>
+            <a:pPr algn="ctr"/>
+            <a:endParaRPr lang="en-US"/>
+          </a:p>
+        </p:txBody>
+      </p:sp>
+      <p:sp>
+        <p:nvSpPr>
+          <p:cNvPr id="13" name="Oval 12">
+            <a:extLst>
+              <a:ext uri="{FF2B5EF4-FFF2-40B4-BE49-F238E27FC236}">
+                <a16:creationId xmlns:a16="http://schemas.microsoft.com/office/drawing/2014/main" id="{6C2ACE79-7D5D-FED0-E32B-19E1BF012677}"/>
+              </a:ext>
+            </a:extLst>
+          </p:cNvPr>
+          <p:cNvSpPr>
+            <a:spLocks noChangeAspect="1"/>
+          </p:cNvSpPr>
+          <p:nvPr/>
+        </p:nvSpPr>
+        <p:spPr>
+          <a:xfrm>
+            <a:off x="5039043" y="1411999"/>
+            <a:ext cx="828000" cy="828000"/>
+          </a:xfrm>
+          <a:prstGeom prst="ellipse">
+            <a:avLst/>
+          </a:prstGeom>
+          <a:solidFill>
+            <a:schemeClr val="accent2"/>
+          </a:solidFill>
+          <a:ln>
+            <a:noFill/>
+          </a:ln>
+        </p:spPr>
+        <p:style>
+          <a:lnRef idx="2">
+            <a:schemeClr val="accent1">
+              <a:shade val="50000"/>
+            </a:schemeClr>
+          </a:lnRef>
+          <a:fillRef idx="1">
+            <a:schemeClr val="accent1"/>
+          </a:fillRef>
+          <a:effectRef idx="0">
+            <a:schemeClr val="accent1"/>
+          </a:effectRef>
+          <a:fontRef idx="minor">
+            <a:schemeClr val="lt1"/>
+          </a:fontRef>
+        </p:style>
+        <p:txBody>
+          <a:bodyPr rtlCol="0" anchor="ctr"/>
+          <a:lstStyle/>
+          <a:p>
+            <a:pPr algn="ctr"/>
+            <a:endParaRPr lang="en-US" dirty="0"/>
+          </a:p>
+        </p:txBody>
+      </p:sp>
+      <p:sp>
+        <p:nvSpPr>
+          <p:cNvPr id="14" name="Oval 13">
+            <a:extLst>
+              <a:ext uri="{FF2B5EF4-FFF2-40B4-BE49-F238E27FC236}">
+                <a16:creationId xmlns:a16="http://schemas.microsoft.com/office/drawing/2014/main" id="{2CAA2F4C-701D-3423-48E3-89FD6A00F537}"/>
+              </a:ext>
+            </a:extLst>
+          </p:cNvPr>
+          <p:cNvSpPr>
+            <a:spLocks noChangeAspect="1"/>
+          </p:cNvSpPr>
+          <p:nvPr/>
+        </p:nvSpPr>
+        <p:spPr>
+          <a:xfrm>
+            <a:off x="2439924" y="638218"/>
+            <a:ext cx="360000" cy="360000"/>
+          </a:xfrm>
+          <a:prstGeom prst="ellipse">
+            <a:avLst/>
+          </a:prstGeom>
+          <a:solidFill>
+            <a:schemeClr val="accent1">
+              <a:lumMod val="75000"/>
+            </a:schemeClr>
+          </a:solidFill>
+          <a:ln>
+            <a:noFill/>
+          </a:ln>
+        </p:spPr>
+        <p:style>
+          <a:lnRef idx="2">
+            <a:schemeClr val="accent1">
+              <a:shade val="50000"/>
+            </a:schemeClr>
+          </a:lnRef>
+          <a:fillRef idx="1">
+            <a:schemeClr val="accent1"/>
+          </a:fillRef>
+          <a:effectRef idx="0">
+            <a:schemeClr val="accent1"/>
+          </a:effectRef>
+          <a:fontRef idx="minor">
+            <a:schemeClr val="lt1"/>
+          </a:fontRef>
+        </p:style>
+        <p:txBody>
+          <a:bodyPr rtlCol="0" anchor="ctr"/>
+          <a:lstStyle/>
+          <a:p>
+            <a:pPr algn="ctr"/>
+            <a:endParaRPr lang="en-US"/>
+          </a:p>
+        </p:txBody>
+      </p:sp>
+      <p:sp>
+        <p:nvSpPr>
+          <p:cNvPr id="15" name="Oval 14">
+            <a:extLst>
+              <a:ext uri="{FF2B5EF4-FFF2-40B4-BE49-F238E27FC236}">
+                <a16:creationId xmlns:a16="http://schemas.microsoft.com/office/drawing/2014/main" id="{89B837E4-1FF7-95E6-90DB-6EF387C8690F}"/>
+              </a:ext>
+            </a:extLst>
+          </p:cNvPr>
+          <p:cNvSpPr>
+            <a:spLocks noChangeAspect="1"/>
+          </p:cNvSpPr>
+          <p:nvPr/>
+        </p:nvSpPr>
+        <p:spPr>
+          <a:xfrm>
+            <a:off x="5269124" y="638218"/>
+            <a:ext cx="360000" cy="360000"/>
+          </a:xfrm>
+          <a:prstGeom prst="ellipse">
+            <a:avLst/>
+          </a:prstGeom>
+          <a:solidFill>
+            <a:schemeClr val="accent2"/>
+          </a:solidFill>
+          <a:ln>
+            <a:noFill/>
+          </a:ln>
+        </p:spPr>
+        <p:style>
+          <a:lnRef idx="2">
+            <a:schemeClr val="accent1">
+              <a:shade val="50000"/>
+            </a:schemeClr>
+          </a:lnRef>
+          <a:fillRef idx="1">
+            <a:schemeClr val="accent1"/>
+          </a:fillRef>
+          <a:effectRef idx="0">
+            <a:schemeClr val="accent1"/>
+          </a:effectRef>
+          <a:fontRef idx="minor">
+            <a:schemeClr val="lt1"/>
+          </a:fontRef>
+        </p:style>
+        <p:txBody>
+          <a:bodyPr rtlCol="0" anchor="ctr"/>
+          <a:lstStyle/>
+          <a:p>
+            <a:pPr algn="ctr"/>
+            <a:endParaRPr lang="en-US" dirty="0"/>
+          </a:p>
+        </p:txBody>
+      </p:sp>
+      <p:sp>
+        <p:nvSpPr>
+          <p:cNvPr id="2" name="Oval 1">
+            <a:extLst>
+              <a:ext uri="{FF2B5EF4-FFF2-40B4-BE49-F238E27FC236}">
+                <a16:creationId xmlns:a16="http://schemas.microsoft.com/office/drawing/2014/main" id="{9A6D4F26-A4D0-793D-A7D4-BC24BF27B6FD}"/>
+              </a:ext>
+            </a:extLst>
+          </p:cNvPr>
+          <p:cNvSpPr>
+            <a:spLocks noChangeAspect="1"/>
+          </p:cNvSpPr>
+          <p:nvPr/>
+        </p:nvSpPr>
+        <p:spPr>
+          <a:xfrm>
+            <a:off x="7382243" y="1411999"/>
+            <a:ext cx="828000" cy="828000"/>
+          </a:xfrm>
+          <a:prstGeom prst="ellipse">
+            <a:avLst/>
+          </a:prstGeom>
+          <a:solidFill>
+            <a:schemeClr val="tx1">
+              <a:lumMod val="95000"/>
+              <a:lumOff val="5000"/>
+            </a:schemeClr>
+          </a:solidFill>
+          <a:ln>
+            <a:noFill/>
+          </a:ln>
+        </p:spPr>
+        <p:style>
+          <a:lnRef idx="2">
+            <a:schemeClr val="accent1">
+              <a:shade val="50000"/>
+            </a:schemeClr>
+          </a:lnRef>
+          <a:fillRef idx="1">
+            <a:schemeClr val="accent1"/>
+          </a:fillRef>
+          <a:effectRef idx="0">
+            <a:schemeClr val="accent1"/>
+          </a:effectRef>
+          <a:fontRef idx="minor">
+            <a:schemeClr val="lt1"/>
+          </a:fontRef>
+        </p:style>
+        <p:txBody>
+          <a:bodyPr rtlCol="0" anchor="ctr"/>
+          <a:lstStyle/>
+          <a:p>
+            <a:pPr algn="ctr"/>
+            <a:endParaRPr lang="en-US" dirty="0"/>
+          </a:p>
+        </p:txBody>
+      </p:sp>
+      <p:sp>
+        <p:nvSpPr>
+          <p:cNvPr id="3" name="Oval 2">
+            <a:extLst>
+              <a:ext uri="{FF2B5EF4-FFF2-40B4-BE49-F238E27FC236}">
+                <a16:creationId xmlns:a16="http://schemas.microsoft.com/office/drawing/2014/main" id="{6D3F1746-7C8F-54E9-D16E-1D35DA8E340F}"/>
+              </a:ext>
+            </a:extLst>
+          </p:cNvPr>
+          <p:cNvSpPr>
+            <a:spLocks noChangeAspect="1"/>
+          </p:cNvSpPr>
+          <p:nvPr/>
+        </p:nvSpPr>
+        <p:spPr>
+          <a:xfrm>
+            <a:off x="7724243" y="697749"/>
+            <a:ext cx="144000" cy="144000"/>
+          </a:xfrm>
+          <a:prstGeom prst="ellipse">
+            <a:avLst/>
+          </a:prstGeom>
+          <a:solidFill>
+            <a:schemeClr val="tx1">
+              <a:lumMod val="95000"/>
+              <a:lumOff val="5000"/>
+            </a:schemeClr>
+          </a:solidFill>
+          <a:ln>
+            <a:noFill/>
+          </a:ln>
+        </p:spPr>
+        <p:style>
+          <a:lnRef idx="2">
+            <a:schemeClr val="accent1">
+              <a:shade val="50000"/>
+            </a:schemeClr>
+          </a:lnRef>
+          <a:fillRef idx="1">
+            <a:schemeClr val="accent1"/>
+          </a:fillRef>
+          <a:effectRef idx="0">
+            <a:schemeClr val="accent1"/>
+          </a:effectRef>
+          <a:fontRef idx="minor">
+            <a:schemeClr val="lt1"/>
+          </a:fontRef>
+        </p:style>
+        <p:txBody>
+          <a:bodyPr rtlCol="0" anchor="ctr"/>
+          <a:lstStyle/>
+          <a:p>
+            <a:pPr algn="ctr"/>
+            <a:endParaRPr lang="en-US" dirty="0"/>
+          </a:p>
+        </p:txBody>
+      </p:sp>
+      <p:sp>
+        <p:nvSpPr>
+          <p:cNvPr id="4" name="Oval 3">
+            <a:extLst>
+              <a:ext uri="{FF2B5EF4-FFF2-40B4-BE49-F238E27FC236}">
+                <a16:creationId xmlns:a16="http://schemas.microsoft.com/office/drawing/2014/main" id="{16775249-A362-CF25-7CE3-6B1214C05E64}"/>
+              </a:ext>
+            </a:extLst>
+          </p:cNvPr>
+          <p:cNvSpPr>
+            <a:spLocks noChangeAspect="1"/>
+          </p:cNvSpPr>
+          <p:nvPr/>
+        </p:nvSpPr>
+        <p:spPr>
+          <a:xfrm>
+            <a:off x="9062877" y="1411999"/>
+            <a:ext cx="828000" cy="828000"/>
+          </a:xfrm>
+          <a:prstGeom prst="ellipse">
+            <a:avLst/>
+          </a:prstGeom>
+          <a:solidFill>
+            <a:schemeClr val="bg1"/>
+          </a:solidFill>
+          <a:ln>
+            <a:noFill/>
+          </a:ln>
+        </p:spPr>
+        <p:style>
+          <a:lnRef idx="2">
+            <a:schemeClr val="accent1">
+              <a:shade val="50000"/>
+            </a:schemeClr>
+          </a:lnRef>
+          <a:fillRef idx="1">
+            <a:schemeClr val="accent1"/>
+          </a:fillRef>
+          <a:effectRef idx="0">
+            <a:schemeClr val="accent1"/>
+          </a:effectRef>
+          <a:fontRef idx="minor">
+            <a:schemeClr val="lt1"/>
+          </a:fontRef>
+        </p:style>
+        <p:txBody>
+          <a:bodyPr rtlCol="0" anchor="ctr"/>
+          <a:lstStyle/>
+          <a:p>
+            <a:pPr algn="ctr"/>
+            <a:endParaRPr lang="en-US" dirty="0"/>
+          </a:p>
+        </p:txBody>
+      </p:sp>
+      <p:sp>
+        <p:nvSpPr>
+          <p:cNvPr id="5" name="Oval 4">
+            <a:extLst>
+              <a:ext uri="{FF2B5EF4-FFF2-40B4-BE49-F238E27FC236}">
+                <a16:creationId xmlns:a16="http://schemas.microsoft.com/office/drawing/2014/main" id="{7FBA1D1C-FF95-E501-9C5B-D5ED59362996}"/>
+              </a:ext>
+            </a:extLst>
+          </p:cNvPr>
+          <p:cNvSpPr>
+            <a:spLocks noChangeAspect="1"/>
+          </p:cNvSpPr>
+          <p:nvPr/>
+        </p:nvSpPr>
+        <p:spPr>
+          <a:xfrm>
+            <a:off x="6382878" y="638218"/>
+            <a:ext cx="360000" cy="360000"/>
+          </a:xfrm>
+          <a:prstGeom prst="ellipse">
+            <a:avLst/>
+          </a:prstGeom>
+          <a:solidFill>
+            <a:schemeClr val="accent2"/>
+          </a:solidFill>
+          <a:ln>
+            <a:noFill/>
+          </a:ln>
+        </p:spPr>
+        <p:style>
+          <a:lnRef idx="2">
+            <a:schemeClr val="accent1">
+              <a:shade val="50000"/>
+            </a:schemeClr>
+          </a:lnRef>
+          <a:fillRef idx="1">
+            <a:schemeClr val="accent1"/>
+          </a:fillRef>
+          <a:effectRef idx="0">
+            <a:schemeClr val="accent1"/>
+          </a:effectRef>
+          <a:fontRef idx="minor">
+            <a:schemeClr val="lt1"/>
+          </a:fontRef>
+        </p:style>
+        <p:txBody>
+          <a:bodyPr rtlCol="0" anchor="ctr"/>
+          <a:lstStyle/>
+          <a:p>
+            <a:pPr algn="ctr"/>
+            <a:endParaRPr lang="en-US" dirty="0"/>
+          </a:p>
+        </p:txBody>
+      </p:sp>
+      <p:sp>
+        <p:nvSpPr>
+          <p:cNvPr id="8" name="Right Triangle 7">
+            <a:extLst>
+              <a:ext uri="{FF2B5EF4-FFF2-40B4-BE49-F238E27FC236}">
+                <a16:creationId xmlns:a16="http://schemas.microsoft.com/office/drawing/2014/main" id="{88BF4687-585E-0A9B-19A5-9A97B86A2495}"/>
+              </a:ext>
+            </a:extLst>
+          </p:cNvPr>
+          <p:cNvSpPr/>
+          <p:nvPr/>
+        </p:nvSpPr>
+        <p:spPr>
+          <a:xfrm>
+            <a:off x="472798" y="685380"/>
+            <a:ext cx="360000" cy="1080000"/>
+          </a:xfrm>
+          <a:prstGeom prst="rtTriangle">
+            <a:avLst/>
+          </a:prstGeom>
+          <a:solidFill>
+            <a:schemeClr val="accent4">
+              <a:alpha val="79000"/>
+            </a:schemeClr>
+          </a:solidFill>
+          <a:ln>
+            <a:noFill/>
+          </a:ln>
+        </p:spPr>
+        <p:style>
+          <a:lnRef idx="2">
+            <a:schemeClr val="accent1">
+              <a:shade val="50000"/>
+            </a:schemeClr>
+          </a:lnRef>
+          <a:fillRef idx="1">
+            <a:schemeClr val="accent1"/>
+          </a:fillRef>
+          <a:effectRef idx="0">
+            <a:schemeClr val="accent1"/>
+          </a:effectRef>
+          <a:fontRef idx="minor">
+            <a:schemeClr val="lt1"/>
+          </a:fontRef>
+        </p:style>
+        <p:txBody>
+          <a:bodyPr rtlCol="0" anchor="ctr"/>
+          <a:lstStyle/>
+          <a:p>
+            <a:pPr algn="ctr"/>
+            <a:endParaRPr lang="en-US"/>
+          </a:p>
+        </p:txBody>
+      </p:sp>
+      <p:sp>
+        <p:nvSpPr>
+          <p:cNvPr id="16" name="Partial Circle 15">
+            <a:extLst>
+              <a:ext uri="{FF2B5EF4-FFF2-40B4-BE49-F238E27FC236}">
+                <a16:creationId xmlns:a16="http://schemas.microsoft.com/office/drawing/2014/main" id="{876C0E58-D6CB-09E5-8776-EF77691CD7FC}"/>
+              </a:ext>
+            </a:extLst>
+          </p:cNvPr>
+          <p:cNvSpPr/>
+          <p:nvPr/>
+        </p:nvSpPr>
+        <p:spPr>
+          <a:xfrm>
+            <a:off x="551824" y="614406"/>
+            <a:ext cx="360000" cy="360000"/>
+          </a:xfrm>
+          <a:prstGeom prst="pie">
+            <a:avLst>
+              <a:gd name="adj1" fmla="val 0"/>
+              <a:gd name="adj2" fmla="val 15129631"/>
+            </a:avLst>
+          </a:prstGeom>
+          <a:solidFill>
+            <a:schemeClr val="tx1">
+              <a:lumMod val="50000"/>
+              <a:lumOff val="50000"/>
+            </a:schemeClr>
+          </a:solidFill>
+          <a:ln>
+            <a:noFill/>
+          </a:ln>
+        </p:spPr>
+        <p:style>
+          <a:lnRef idx="2">
+            <a:schemeClr val="accent1">
+              <a:shade val="50000"/>
+            </a:schemeClr>
+          </a:lnRef>
+          <a:fillRef idx="1">
+            <a:schemeClr val="accent1"/>
+          </a:fillRef>
+          <a:effectRef idx="0">
+            <a:schemeClr val="accent1"/>
+          </a:effectRef>
+          <a:fontRef idx="minor">
+            <a:schemeClr val="lt1"/>
+          </a:fontRef>
+        </p:style>
+        <p:txBody>
+          <a:bodyPr rtlCol="0" anchor="ctr"/>
+          <a:lstStyle/>
+          <a:p>
+            <a:pPr algn="ctr"/>
+            <a:endParaRPr lang="en-US"/>
+          </a:p>
+        </p:txBody>
+      </p:sp>
+      <p:sp>
+        <p:nvSpPr>
+          <p:cNvPr id="7" name="Rectangle 6">
+            <a:extLst>
+              <a:ext uri="{FF2B5EF4-FFF2-40B4-BE49-F238E27FC236}">
+                <a16:creationId xmlns:a16="http://schemas.microsoft.com/office/drawing/2014/main" id="{A6EF672C-B5C2-86ED-FA67-5F9ACD634B71}"/>
+              </a:ext>
+            </a:extLst>
+          </p:cNvPr>
+          <p:cNvSpPr>
+            <a:spLocks noChangeAspect="1"/>
+          </p:cNvSpPr>
+          <p:nvPr/>
+        </p:nvSpPr>
+        <p:spPr>
+          <a:xfrm>
+            <a:off x="2228902" y="3002336"/>
+            <a:ext cx="828000" cy="828000"/>
+          </a:xfrm>
+          <a:prstGeom prst="rect">
+            <a:avLst/>
+          </a:prstGeom>
+          <a:solidFill>
+            <a:schemeClr val="accent1">
+              <a:lumMod val="75000"/>
+            </a:schemeClr>
+          </a:solidFill>
+          <a:ln>
+            <a:noFill/>
+          </a:ln>
+        </p:spPr>
+        <p:style>
+          <a:lnRef idx="2">
+            <a:schemeClr val="accent1">
+              <a:shade val="50000"/>
+            </a:schemeClr>
+          </a:lnRef>
+          <a:fillRef idx="1">
+            <a:schemeClr val="accent1"/>
+          </a:fillRef>
+          <a:effectRef idx="0">
+            <a:schemeClr val="accent1"/>
+          </a:effectRef>
+          <a:fontRef idx="minor">
+            <a:schemeClr val="lt1"/>
+          </a:fontRef>
+        </p:style>
+        <p:txBody>
+          <a:bodyPr rtlCol="0" anchor="ctr"/>
+          <a:lstStyle/>
+          <a:p>
+            <a:pPr algn="ctr"/>
+            <a:endParaRPr lang="en-US"/>
+          </a:p>
+        </p:txBody>
+      </p:sp>
+      <p:sp>
+        <p:nvSpPr>
+          <p:cNvPr id="17" name="Rectangle 16">
+            <a:extLst>
+              <a:ext uri="{FF2B5EF4-FFF2-40B4-BE49-F238E27FC236}">
+                <a16:creationId xmlns:a16="http://schemas.microsoft.com/office/drawing/2014/main" id="{EA24C0FC-8C60-2A8A-6CCB-3E3B2E0AF2AB}"/>
+              </a:ext>
+            </a:extLst>
+          </p:cNvPr>
+          <p:cNvSpPr>
+            <a:spLocks noChangeAspect="1"/>
+          </p:cNvSpPr>
+          <p:nvPr/>
+        </p:nvSpPr>
+        <p:spPr>
+          <a:xfrm>
+            <a:off x="5039043" y="3015000"/>
+            <a:ext cx="828000" cy="828000"/>
+          </a:xfrm>
+          <a:prstGeom prst="rect">
+            <a:avLst/>
+          </a:prstGeom>
+          <a:solidFill>
+            <a:schemeClr val="accent2"/>
+          </a:solidFill>
+          <a:ln>
+            <a:noFill/>
+          </a:ln>
+        </p:spPr>
+        <p:style>
+          <a:lnRef idx="2">
+            <a:schemeClr val="accent1">
+              <a:shade val="50000"/>
+            </a:schemeClr>
+          </a:lnRef>
+          <a:fillRef idx="1">
+            <a:schemeClr val="accent1"/>
+          </a:fillRef>
+          <a:effectRef idx="0">
+            <a:schemeClr val="accent1"/>
+          </a:effectRef>
+          <a:fontRef idx="minor">
+            <a:schemeClr val="lt1"/>
+          </a:fontRef>
+        </p:style>
+        <p:txBody>
+          <a:bodyPr rtlCol="0" anchor="ctr"/>
+          <a:lstStyle/>
+          <a:p>
+            <a:pPr algn="ctr"/>
+            <a:endParaRPr lang="en-US" dirty="0"/>
+          </a:p>
+        </p:txBody>
+      </p:sp>
+      <p:grpSp>
+        <p:nvGrpSpPr>
+          <p:cNvPr id="22" name="Group 21">
+            <a:extLst>
+              <a:ext uri="{FF2B5EF4-FFF2-40B4-BE49-F238E27FC236}">
+                <a16:creationId xmlns:a16="http://schemas.microsoft.com/office/drawing/2014/main" id="{C5387A6A-78A5-0DFE-FF5F-92577F2E395E}"/>
+              </a:ext>
+            </a:extLst>
+          </p:cNvPr>
+          <p:cNvGrpSpPr/>
+          <p:nvPr/>
+        </p:nvGrpSpPr>
+        <p:grpSpPr>
+          <a:xfrm>
+            <a:off x="1686170" y="638218"/>
+            <a:ext cx="360000" cy="360000"/>
+            <a:chOff x="1686170" y="638218"/>
+            <a:chExt cx="360000" cy="360000"/>
+          </a:xfrm>
+        </p:grpSpPr>
+        <p:sp>
+          <p:nvSpPr>
+            <p:cNvPr id="9" name="Oval 8">
+              <a:extLst>
+                <a:ext uri="{FF2B5EF4-FFF2-40B4-BE49-F238E27FC236}">
+                  <a16:creationId xmlns:a16="http://schemas.microsoft.com/office/drawing/2014/main" id="{91F045A7-06D2-8755-80D6-A51FA597511F}"/>
+                </a:ext>
+              </a:extLst>
+            </p:cNvPr>
+            <p:cNvSpPr>
+              <a:spLocks noChangeAspect="1"/>
+            </p:cNvSpPr>
+            <p:nvPr/>
+          </p:nvSpPr>
+          <p:spPr>
+            <a:xfrm>
+              <a:off x="1686170" y="638218"/>
+              <a:ext cx="360000" cy="360000"/>
+            </a:xfrm>
+            <a:prstGeom prst="ellipse">
+              <a:avLst/>
+            </a:prstGeom>
+            <a:solidFill>
+              <a:schemeClr val="accent2"/>
+            </a:solidFill>
+            <a:ln>
+              <a:noFill/>
+            </a:ln>
+          </p:spPr>
+          <p:style>
+            <a:lnRef idx="2">
+              <a:schemeClr val="accent1">
+                <a:shade val="50000"/>
+              </a:schemeClr>
+            </a:lnRef>
+            <a:fillRef idx="1">
+              <a:schemeClr val="accent1"/>
+            </a:fillRef>
+            <a:effectRef idx="0">
+              <a:schemeClr val="accent1"/>
+            </a:effectRef>
+            <a:fontRef idx="minor">
+              <a:schemeClr val="lt1"/>
+            </a:fontRef>
+          </p:style>
+          <p:txBody>
+            <a:bodyPr rtlCol="0" anchor="ctr"/>
+            <a:lstStyle/>
+            <a:p>
+              <a:pPr algn="ctr"/>
+              <a:endParaRPr lang="en-US" dirty="0"/>
+            </a:p>
+          </p:txBody>
+        </p:sp>
+        <p:sp>
+          <p:nvSpPr>
+            <p:cNvPr id="20" name="Partial Circle 19">
+              <a:extLst>
+                <a:ext uri="{FF2B5EF4-FFF2-40B4-BE49-F238E27FC236}">
+                  <a16:creationId xmlns:a16="http://schemas.microsoft.com/office/drawing/2014/main" id="{CA988A48-9EC8-1ECC-898C-32E7DACDDF76}"/>
+                </a:ext>
+              </a:extLst>
+            </p:cNvPr>
+            <p:cNvSpPr/>
+            <p:nvPr/>
+          </p:nvSpPr>
+          <p:spPr>
+            <a:xfrm>
+              <a:off x="1686170" y="638218"/>
+              <a:ext cx="360000" cy="360000"/>
+            </a:xfrm>
+            <a:prstGeom prst="pie">
+              <a:avLst/>
+            </a:prstGeom>
+            <a:solidFill>
+              <a:schemeClr val="accent1">
+                <a:lumMod val="75000"/>
+              </a:schemeClr>
+            </a:solidFill>
+            <a:ln>
+              <a:noFill/>
+            </a:ln>
+          </p:spPr>
+          <p:style>
+            <a:lnRef idx="2">
+              <a:schemeClr val="accent1">
+                <a:shade val="50000"/>
+              </a:schemeClr>
+            </a:lnRef>
+            <a:fillRef idx="1">
+              <a:schemeClr val="accent1"/>
+            </a:fillRef>
+            <a:effectRef idx="0">
+              <a:schemeClr val="accent1"/>
+            </a:effectRef>
+            <a:fontRef idx="minor">
+              <a:schemeClr val="lt1"/>
+            </a:fontRef>
+          </p:style>
+          <p:txBody>
+            <a:bodyPr rtlCol="0" anchor="ctr"/>
+            <a:lstStyle/>
+            <a:p>
+              <a:pPr algn="ctr"/>
+              <a:endParaRPr lang="en-US"/>
+            </a:p>
+          </p:txBody>
+        </p:sp>
+      </p:grpSp>
+      <p:grpSp>
+        <p:nvGrpSpPr>
+          <p:cNvPr id="23" name="Group 22">
+            <a:extLst>
+              <a:ext uri="{FF2B5EF4-FFF2-40B4-BE49-F238E27FC236}">
+                <a16:creationId xmlns:a16="http://schemas.microsoft.com/office/drawing/2014/main" id="{93A80786-B4FC-B5B6-4585-130B034E3489}"/>
+              </a:ext>
+            </a:extLst>
+          </p:cNvPr>
+          <p:cNvGrpSpPr/>
+          <p:nvPr/>
+        </p:nvGrpSpPr>
+        <p:grpSpPr>
+          <a:xfrm>
+            <a:off x="3653088" y="638218"/>
+            <a:ext cx="360000" cy="360000"/>
+            <a:chOff x="3653088" y="638218"/>
+            <a:chExt cx="360000" cy="360000"/>
+          </a:xfrm>
+        </p:grpSpPr>
+        <p:sp>
+          <p:nvSpPr>
+            <p:cNvPr id="10" name="Oval 9">
+              <a:extLst>
+                <a:ext uri="{FF2B5EF4-FFF2-40B4-BE49-F238E27FC236}">
+                  <a16:creationId xmlns:a16="http://schemas.microsoft.com/office/drawing/2014/main" id="{4665B9C5-F4EC-8AC9-0846-EA68A4FD89BF}"/>
+                </a:ext>
+              </a:extLst>
+            </p:cNvPr>
+            <p:cNvSpPr>
+              <a:spLocks noChangeAspect="1"/>
+            </p:cNvSpPr>
+            <p:nvPr/>
+          </p:nvSpPr>
+          <p:spPr>
+            <a:xfrm>
+              <a:off x="3653088" y="638218"/>
+              <a:ext cx="360000" cy="360000"/>
+            </a:xfrm>
+            <a:prstGeom prst="ellipse">
+              <a:avLst/>
+            </a:prstGeom>
+            <a:solidFill>
+              <a:schemeClr val="accent1">
+                <a:lumMod val="75000"/>
+              </a:schemeClr>
+            </a:solidFill>
+            <a:ln>
+              <a:noFill/>
+            </a:ln>
+          </p:spPr>
+          <p:style>
+            <a:lnRef idx="2">
+              <a:schemeClr val="accent1">
+                <a:shade val="50000"/>
+              </a:schemeClr>
+            </a:lnRef>
+            <a:fillRef idx="1">
+              <a:schemeClr val="accent1"/>
+            </a:fillRef>
+            <a:effectRef idx="0">
+              <a:schemeClr val="accent1"/>
+            </a:effectRef>
+            <a:fontRef idx="minor">
+              <a:schemeClr val="lt1"/>
+            </a:fontRef>
+          </p:style>
+          <p:txBody>
+            <a:bodyPr rtlCol="0" anchor="ctr"/>
+            <a:lstStyle/>
+            <a:p>
+              <a:pPr algn="ctr"/>
+              <a:endParaRPr lang="en-US" dirty="0"/>
+            </a:p>
+          </p:txBody>
+        </p:sp>
+        <p:sp>
+          <p:nvSpPr>
+            <p:cNvPr id="21" name="Partial Circle 20">
+              <a:extLst>
+                <a:ext uri="{FF2B5EF4-FFF2-40B4-BE49-F238E27FC236}">
+                  <a16:creationId xmlns:a16="http://schemas.microsoft.com/office/drawing/2014/main" id="{FE870285-96A8-AACE-4120-1B4CD939F7F6}"/>
+                </a:ext>
+              </a:extLst>
+            </p:cNvPr>
+            <p:cNvSpPr/>
+            <p:nvPr/>
+          </p:nvSpPr>
+          <p:spPr>
+            <a:xfrm>
+              <a:off x="3653088" y="638218"/>
+              <a:ext cx="360000" cy="360000"/>
+            </a:xfrm>
+            <a:prstGeom prst="pie">
+              <a:avLst/>
+            </a:prstGeom>
+            <a:solidFill>
+              <a:schemeClr val="accent2"/>
+            </a:solidFill>
+            <a:ln>
+              <a:noFill/>
+            </a:ln>
+          </p:spPr>
+          <p:style>
+            <a:lnRef idx="2">
+              <a:schemeClr val="accent1">
+                <a:shade val="50000"/>
+              </a:schemeClr>
+            </a:lnRef>
+            <a:fillRef idx="1">
+              <a:schemeClr val="accent1"/>
+            </a:fillRef>
+            <a:effectRef idx="0">
+              <a:schemeClr val="accent1"/>
+            </a:effectRef>
+            <a:fontRef idx="minor">
+              <a:schemeClr val="lt1"/>
+            </a:fontRef>
+          </p:style>
+          <p:txBody>
+            <a:bodyPr rtlCol="0" anchor="ctr"/>
+            <a:lstStyle/>
+            <a:p>
+              <a:pPr algn="ctr"/>
+              <a:endParaRPr lang="en-US" dirty="0"/>
+            </a:p>
+          </p:txBody>
+        </p:sp>
+      </p:grpSp>
+    </p:spTree>
+    <p:extLst>
+      <p:ext uri="{BB962C8B-B14F-4D97-AF65-F5344CB8AC3E}">
+        <p14:creationId xmlns:p14="http://schemas.microsoft.com/office/powerpoint/2010/main" val="1235078281"/>
+      </p:ext>
+    </p:extLst>
+  </p:cSld>
+  <p:clrMapOvr>
+    <a:masterClrMapping/>
+  </p:clrMapOvr>
+</p:sld>
+</file>
+
+<file path=ppt/slides/slide3.xml><?xml version="1.0" encoding="utf-8"?>
+<p:sld xmlns:a="http://schemas.openxmlformats.org/drawingml/2006/main" xmlns:r="http://schemas.openxmlformats.org/officeDocument/2006/relationships" xmlns:p="http://schemas.openxmlformats.org/presentationml/2006/main">
+  <p:cSld>
+    <p:spTree>
+      <p:nvGrpSpPr>
+        <p:cNvPr id="1" name=""/>
+        <p:cNvGrpSpPr/>
+        <p:nvPr/>
+      </p:nvGrpSpPr>
+      <p:grpSpPr>
+        <a:xfrm>
+          <a:off x="0" y="0"/>
+          <a:ext cx="0" cy="0"/>
+          <a:chOff x="0" y="0"/>
+          <a:chExt cx="0" cy="0"/>
+        </a:xfrm>
+      </p:grpSpPr>
+      <p:sp>
+        <p:nvSpPr>
           <p:cNvPr id="12" name="Oval 11">
             <a:extLst>
               <a:ext uri="{FF2B5EF4-FFF2-40B4-BE49-F238E27FC236}">
@@ -4280,7 +8678,7 @@
 </p:sld>
 </file>
 
-<file path=ppt/slides/slide2.xml><?xml version="1.0" encoding="utf-8"?>
+<file path=ppt/slides/slide4.xml><?xml version="1.0" encoding="utf-8"?>
 <p:sld xmlns:a="http://schemas.openxmlformats.org/drawingml/2006/main" xmlns:r="http://schemas.openxmlformats.org/officeDocument/2006/relationships" xmlns:p="http://schemas.openxmlformats.org/presentationml/2006/main">
   <p:cSld>
     <p:spTree>
@@ -4698,7 +9096,7 @@
 </p:sld>
 </file>
 
-<file path=ppt/slides/slide3.xml><?xml version="1.0" encoding="utf-8"?>
+<file path=ppt/slides/slide5.xml><?xml version="1.0" encoding="utf-8"?>
 <p:sld xmlns:a="http://schemas.openxmlformats.org/drawingml/2006/main" xmlns:r="http://schemas.openxmlformats.org/officeDocument/2006/relationships" xmlns:p="http://schemas.openxmlformats.org/presentationml/2006/main">
   <p:cSld>
     <p:spTree>
